--- a/lectures/wk5/ML_wk5_Modeleval_tuning.pptx
+++ b/lectures/wk5/ML_wk5_Modeleval_tuning.pptx
@@ -6,7 +6,7 @@
     <p:sldMasterId id="2147483661" r:id="rId2"/>
   </p:sldMasterIdLst>
   <p:notesMasterIdLst>
-    <p:notesMasterId r:id="rId47"/>
+    <p:notesMasterId r:id="rId46"/>
   </p:notesMasterIdLst>
   <p:sldIdLst>
     <p:sldId id="256" r:id="rId3"/>
@@ -26,33 +26,32 @@
     <p:sldId id="271" r:id="rId17"/>
     <p:sldId id="272" r:id="rId18"/>
     <p:sldId id="273" r:id="rId19"/>
-    <p:sldId id="274" r:id="rId20"/>
-    <p:sldId id="275" r:id="rId21"/>
-    <p:sldId id="276" r:id="rId22"/>
-    <p:sldId id="277" r:id="rId23"/>
-    <p:sldId id="278" r:id="rId24"/>
-    <p:sldId id="279" r:id="rId25"/>
-    <p:sldId id="280" r:id="rId26"/>
-    <p:sldId id="281" r:id="rId27"/>
-    <p:sldId id="282" r:id="rId28"/>
-    <p:sldId id="283" r:id="rId29"/>
-    <p:sldId id="284" r:id="rId30"/>
-    <p:sldId id="285" r:id="rId31"/>
-    <p:sldId id="286" r:id="rId32"/>
-    <p:sldId id="312" r:id="rId33"/>
-    <p:sldId id="313" r:id="rId34"/>
-    <p:sldId id="287" r:id="rId35"/>
-    <p:sldId id="291" r:id="rId36"/>
-    <p:sldId id="288" r:id="rId37"/>
-    <p:sldId id="292" r:id="rId38"/>
-    <p:sldId id="315" r:id="rId39"/>
-    <p:sldId id="294" r:id="rId40"/>
-    <p:sldId id="295" r:id="rId41"/>
-    <p:sldId id="296" r:id="rId42"/>
-    <p:sldId id="297" r:id="rId43"/>
-    <p:sldId id="298" r:id="rId44"/>
-    <p:sldId id="299" r:id="rId45"/>
-    <p:sldId id="300" r:id="rId46"/>
+    <p:sldId id="275" r:id="rId20"/>
+    <p:sldId id="276" r:id="rId21"/>
+    <p:sldId id="277" r:id="rId22"/>
+    <p:sldId id="278" r:id="rId23"/>
+    <p:sldId id="279" r:id="rId24"/>
+    <p:sldId id="280" r:id="rId25"/>
+    <p:sldId id="281" r:id="rId26"/>
+    <p:sldId id="282" r:id="rId27"/>
+    <p:sldId id="283" r:id="rId28"/>
+    <p:sldId id="284" r:id="rId29"/>
+    <p:sldId id="285" r:id="rId30"/>
+    <p:sldId id="286" r:id="rId31"/>
+    <p:sldId id="312" r:id="rId32"/>
+    <p:sldId id="313" r:id="rId33"/>
+    <p:sldId id="287" r:id="rId34"/>
+    <p:sldId id="291" r:id="rId35"/>
+    <p:sldId id="288" r:id="rId36"/>
+    <p:sldId id="292" r:id="rId37"/>
+    <p:sldId id="315" r:id="rId38"/>
+    <p:sldId id="294" r:id="rId39"/>
+    <p:sldId id="295" r:id="rId40"/>
+    <p:sldId id="296" r:id="rId41"/>
+    <p:sldId id="297" r:id="rId42"/>
+    <p:sldId id="298" r:id="rId43"/>
+    <p:sldId id="299" r:id="rId44"/>
+    <p:sldId id="300" r:id="rId45"/>
   </p:sldIdLst>
   <p:sldSz cx="13004800" cy="9753600"/>
   <p:notesSz cx="6858000" cy="9144000"/>
@@ -545,6 +544,356 @@
 </p:notesMaster>
 </file>
 
+<file path=ppt/notesSlides/notesSlide1.xml><?xml version="1.0" encoding="utf-8"?>
+<p:notes xmlns:a="http://schemas.openxmlformats.org/drawingml/2006/main" xmlns:r="http://schemas.openxmlformats.org/officeDocument/2006/relationships" xmlns:p="http://schemas.openxmlformats.org/presentationml/2006/main">
+  <p:cSld>
+    <p:spTree>
+      <p:nvGrpSpPr>
+        <p:cNvPr id="1" name=""/>
+        <p:cNvGrpSpPr/>
+        <p:nvPr/>
+      </p:nvGrpSpPr>
+      <p:grpSpPr>
+        <a:xfrm>
+          <a:off x="0" y="0"/>
+          <a:ext cx="0" cy="0"/>
+          <a:chOff x="0" y="0"/>
+          <a:chExt cx="0" cy="0"/>
+        </a:xfrm>
+      </p:grpSpPr>
+      <p:sp>
+        <p:nvSpPr>
+          <p:cNvPr id="2" name="Tijdelijke aanduiding voor dia-afbeelding 1"/>
+          <p:cNvSpPr>
+            <a:spLocks noGrp="1" noRot="1" noChangeAspect="1"/>
+          </p:cNvSpPr>
+          <p:nvPr>
+            <p:ph type="sldImg"/>
+          </p:nvPr>
+        </p:nvSpPr>
+        <p:spPr/>
+      </p:sp>
+      <p:sp>
+        <p:nvSpPr>
+          <p:cNvPr id="3" name="Tijdelijke aanduiding voor notities 2"/>
+          <p:cNvSpPr>
+            <a:spLocks noGrp="1"/>
+          </p:cNvSpPr>
+          <p:nvPr>
+            <p:ph type="body" idx="1"/>
+          </p:nvPr>
+        </p:nvSpPr>
+        <p:spPr/>
+        <p:txBody>
+          <a:bodyPr/>
+          <a:lstStyle/>
+          <a:p>
+            <a:r>
+              <a:rPr lang="nl-NL"/>
+              <a:t>Regularisatie, parameter C.</a:t>
+            </a:r>
+          </a:p>
+          <a:p>
+            <a:r>
+              <a:rPr lang="nl-NL"/>
+              <a:t>Hoge C = lage regularisatie = smalle straat = kleine bias, hoge variance -&gt; kans op overfitting</a:t>
+            </a:r>
+          </a:p>
+          <a:p>
+            <a:r>
+              <a:rPr lang="nl-NL"/>
+              <a:t>Lage C = hoge regularisatie = brede straat = grotere bias, lagere variance -&gt; kans op underfitting</a:t>
+            </a:r>
+          </a:p>
+        </p:txBody>
+      </p:sp>
+    </p:spTree>
+    <p:extLst>
+      <p:ext uri="{BB962C8B-B14F-4D97-AF65-F5344CB8AC3E}">
+        <p14:creationId xmlns:p14="http://schemas.microsoft.com/office/powerpoint/2010/main" val="3520197259"/>
+      </p:ext>
+    </p:extLst>
+  </p:cSld>
+  <p:clrMapOvr>
+    <a:masterClrMapping/>
+  </p:clrMapOvr>
+</p:notes>
+</file>
+
+<file path=ppt/notesSlides/notesSlide2.xml><?xml version="1.0" encoding="utf-8"?>
+<p:notes xmlns:a="http://schemas.openxmlformats.org/drawingml/2006/main" xmlns:r="http://schemas.openxmlformats.org/officeDocument/2006/relationships" xmlns:p="http://schemas.openxmlformats.org/presentationml/2006/main">
+  <p:cSld>
+    <p:spTree>
+      <p:nvGrpSpPr>
+        <p:cNvPr id="1" name=""/>
+        <p:cNvGrpSpPr/>
+        <p:nvPr/>
+      </p:nvGrpSpPr>
+      <p:grpSpPr>
+        <a:xfrm>
+          <a:off x="0" y="0"/>
+          <a:ext cx="0" cy="0"/>
+          <a:chOff x="0" y="0"/>
+          <a:chExt cx="0" cy="0"/>
+        </a:xfrm>
+      </p:grpSpPr>
+      <p:sp>
+        <p:nvSpPr>
+          <p:cNvPr id="2" name="Tijdelijke aanduiding voor dia-afbeelding 1"/>
+          <p:cNvSpPr>
+            <a:spLocks noGrp="1" noRot="1" noChangeAspect="1"/>
+          </p:cNvSpPr>
+          <p:nvPr>
+            <p:ph type="sldImg"/>
+          </p:nvPr>
+        </p:nvSpPr>
+        <p:spPr/>
+      </p:sp>
+      <p:sp>
+        <p:nvSpPr>
+          <p:cNvPr id="3" name="Tijdelijke aanduiding voor notities 2"/>
+          <p:cNvSpPr>
+            <a:spLocks noGrp="1"/>
+          </p:cNvSpPr>
+          <p:nvPr>
+            <p:ph type="body" idx="1"/>
+          </p:nvPr>
+        </p:nvSpPr>
+        <p:spPr/>
+        <p:txBody>
+          <a:bodyPr/>
+          <a:lstStyle/>
+          <a:p>
+            <a:r>
+              <a:rPr lang="nl-NL"/>
+              <a:t>Werkt bij ongeveer gelijke verdelingen (50% Virginica, 50% Setosa).</a:t>
+            </a:r>
+          </a:p>
+          <a:p>
+            <a:r>
+              <a:rPr lang="nl-NL"/>
+              <a:t>Werkt niet als de ene categorie veel zeldzamer is dan de andere (99% goedaardige tumor, 1% kwaadaardig =&gt; als je die ene mist is je accuracy nog steeds 0,99 maar je model is waardeloos).</a:t>
+            </a:r>
+          </a:p>
+        </p:txBody>
+      </p:sp>
+    </p:spTree>
+    <p:extLst>
+      <p:ext uri="{BB962C8B-B14F-4D97-AF65-F5344CB8AC3E}">
+        <p14:creationId xmlns:p14="http://schemas.microsoft.com/office/powerpoint/2010/main" val="4218382829"/>
+      </p:ext>
+    </p:extLst>
+  </p:cSld>
+  <p:clrMapOvr>
+    <a:masterClrMapping/>
+  </p:clrMapOvr>
+</p:notes>
+</file>
+
+<file path=ppt/notesSlides/notesSlide3.xml><?xml version="1.0" encoding="utf-8"?>
+<p:notes xmlns:a="http://schemas.openxmlformats.org/drawingml/2006/main" xmlns:r="http://schemas.openxmlformats.org/officeDocument/2006/relationships" xmlns:p="http://schemas.openxmlformats.org/presentationml/2006/main">
+  <p:cSld>
+    <p:spTree>
+      <p:nvGrpSpPr>
+        <p:cNvPr id="1" name=""/>
+        <p:cNvGrpSpPr/>
+        <p:nvPr/>
+      </p:nvGrpSpPr>
+      <p:grpSpPr>
+        <a:xfrm>
+          <a:off x="0" y="0"/>
+          <a:ext cx="0" cy="0"/>
+          <a:chOff x="0" y="0"/>
+          <a:chExt cx="0" cy="0"/>
+        </a:xfrm>
+      </p:grpSpPr>
+      <p:sp>
+        <p:nvSpPr>
+          <p:cNvPr id="2" name="Tijdelijke aanduiding voor dia-afbeelding 1"/>
+          <p:cNvSpPr>
+            <a:spLocks noGrp="1" noRot="1" noChangeAspect="1"/>
+          </p:cNvSpPr>
+          <p:nvPr>
+            <p:ph type="sldImg"/>
+          </p:nvPr>
+        </p:nvSpPr>
+        <p:spPr/>
+      </p:sp>
+      <p:sp>
+        <p:nvSpPr>
+          <p:cNvPr id="3" name="Tijdelijke aanduiding voor notities 2"/>
+          <p:cNvSpPr>
+            <a:spLocks noGrp="1"/>
+          </p:cNvSpPr>
+          <p:nvPr>
+            <p:ph type="body" idx="1"/>
+          </p:nvPr>
+        </p:nvSpPr>
+        <p:spPr/>
+        <p:txBody>
+          <a:bodyPr/>
+          <a:lstStyle/>
+          <a:p>
+            <a:r>
+              <a:rPr lang="nl-NL"/>
+              <a:t>Kromme die op 1 begint (recall 0 = precision 1, als je alles mist hebt je ook geen FP’s) en dan (hopelijk) langzaam afloopt.</a:t>
+            </a:r>
+          </a:p>
+        </p:txBody>
+      </p:sp>
+    </p:spTree>
+    <p:extLst>
+      <p:ext uri="{BB962C8B-B14F-4D97-AF65-F5344CB8AC3E}">
+        <p14:creationId xmlns:p14="http://schemas.microsoft.com/office/powerpoint/2010/main" val="1678877852"/>
+      </p:ext>
+    </p:extLst>
+  </p:cSld>
+  <p:clrMapOvr>
+    <a:masterClrMapping/>
+  </p:clrMapOvr>
+</p:notes>
+</file>
+
+<file path=ppt/notesSlides/notesSlide4.xml><?xml version="1.0" encoding="utf-8"?>
+<p:notes xmlns:a="http://schemas.openxmlformats.org/drawingml/2006/main" xmlns:r="http://schemas.openxmlformats.org/officeDocument/2006/relationships" xmlns:p="http://schemas.openxmlformats.org/presentationml/2006/main">
+  <p:cSld>
+    <p:spTree>
+      <p:nvGrpSpPr>
+        <p:cNvPr id="1" name=""/>
+        <p:cNvGrpSpPr/>
+        <p:nvPr/>
+      </p:nvGrpSpPr>
+      <p:grpSpPr>
+        <a:xfrm>
+          <a:off x="0" y="0"/>
+          <a:ext cx="0" cy="0"/>
+          <a:chOff x="0" y="0"/>
+          <a:chExt cx="0" cy="0"/>
+        </a:xfrm>
+      </p:grpSpPr>
+      <p:sp>
+        <p:nvSpPr>
+          <p:cNvPr id="2" name="Tijdelijke aanduiding voor dia-afbeelding 1"/>
+          <p:cNvSpPr>
+            <a:spLocks noGrp="1" noRot="1" noChangeAspect="1"/>
+          </p:cNvSpPr>
+          <p:nvPr>
+            <p:ph type="sldImg"/>
+          </p:nvPr>
+        </p:nvSpPr>
+        <p:spPr/>
+      </p:sp>
+      <p:sp>
+        <p:nvSpPr>
+          <p:cNvPr id="3" name="Tijdelijke aanduiding voor notities 2"/>
+          <p:cNvSpPr>
+            <a:spLocks noGrp="1"/>
+          </p:cNvSpPr>
+          <p:nvPr>
+            <p:ph type="body" idx="1"/>
+          </p:nvPr>
+        </p:nvSpPr>
+        <p:spPr/>
+        <p:txBody>
+          <a:bodyPr/>
+          <a:lstStyle/>
+          <a:p>
+            <a:r>
+              <a:rPr lang="nl-NL"/>
+              <a:t>Hulpmiddel bij vorige slide. Zetten we het criterium naar links, dan neemt de Recall toe maar ten koste van de Precision (ook veel niet-Virginica’s worden als Virginica gezien).</a:t>
+            </a:r>
+          </a:p>
+          <a:p>
+            <a:r>
+              <a:rPr lang="nl-NL"/>
+              <a:t>Zetten we het criterium naar rechts, dan daalt de Recall (we gaan meer Virginica’s missen) maar neemt de Precision toe.</a:t>
+            </a:r>
+          </a:p>
+        </p:txBody>
+      </p:sp>
+    </p:spTree>
+    <p:extLst>
+      <p:ext uri="{BB962C8B-B14F-4D97-AF65-F5344CB8AC3E}">
+        <p14:creationId xmlns:p14="http://schemas.microsoft.com/office/powerpoint/2010/main" val="3383823379"/>
+      </p:ext>
+    </p:extLst>
+  </p:cSld>
+  <p:clrMapOvr>
+    <a:masterClrMapping/>
+  </p:clrMapOvr>
+</p:notes>
+</file>
+
+<file path=ppt/notesSlides/notesSlide5.xml><?xml version="1.0" encoding="utf-8"?>
+<p:notes xmlns:a="http://schemas.openxmlformats.org/drawingml/2006/main" xmlns:r="http://schemas.openxmlformats.org/officeDocument/2006/relationships" xmlns:p="http://schemas.openxmlformats.org/presentationml/2006/main">
+  <p:cSld>
+    <p:spTree>
+      <p:nvGrpSpPr>
+        <p:cNvPr id="1" name=""/>
+        <p:cNvGrpSpPr/>
+        <p:nvPr/>
+      </p:nvGrpSpPr>
+      <p:grpSpPr>
+        <a:xfrm>
+          <a:off x="0" y="0"/>
+          <a:ext cx="0" cy="0"/>
+          <a:chOff x="0" y="0"/>
+          <a:chExt cx="0" cy="0"/>
+        </a:xfrm>
+      </p:grpSpPr>
+      <p:sp>
+        <p:nvSpPr>
+          <p:cNvPr id="2" name="Tijdelijke aanduiding voor dia-afbeelding 1"/>
+          <p:cNvSpPr>
+            <a:spLocks noGrp="1" noRot="1" noChangeAspect="1"/>
+          </p:cNvSpPr>
+          <p:nvPr>
+            <p:ph type="sldImg"/>
+          </p:nvPr>
+        </p:nvSpPr>
+        <p:spPr/>
+      </p:sp>
+      <p:sp>
+        <p:nvSpPr>
+          <p:cNvPr id="3" name="Tijdelijke aanduiding voor notities 2"/>
+          <p:cNvSpPr>
+            <a:spLocks noGrp="1"/>
+          </p:cNvSpPr>
+          <p:nvPr>
+            <p:ph type="body" idx="1"/>
+          </p:nvPr>
+        </p:nvSpPr>
+        <p:spPr/>
+        <p:txBody>
+          <a:bodyPr/>
+          <a:lstStyle/>
+          <a:p>
+            <a:r>
+              <a:rPr lang="nl-NL"/>
+              <a:t>X-as = FPR = FP / (FP + TN), dus aandeel van de FP’s in alle gevallen dat de werkelijke waarde 0/false is.</a:t>
+            </a:r>
+          </a:p>
+          <a:p>
+            <a:r>
+              <a:rPr lang="nl-NL"/>
+              <a:t>Y-as = TPR = TP / (TP + FN), dus aandeel van de TP’s in alle gevallen dat de werkelijke waarde 1/true is.</a:t>
+            </a:r>
+          </a:p>
+        </p:txBody>
+      </p:sp>
+    </p:spTree>
+    <p:extLst>
+      <p:ext uri="{BB962C8B-B14F-4D97-AF65-F5344CB8AC3E}">
+        <p14:creationId xmlns:p14="http://schemas.microsoft.com/office/powerpoint/2010/main" val="3644200587"/>
+      </p:ext>
+    </p:extLst>
+  </p:cSld>
+  <p:clrMapOvr>
+    <a:masterClrMapping/>
+  </p:clrMapOvr>
+</p:notes>
+</file>
+
 <file path=ppt/slideLayouts/slideLayout1.xml><?xml version="1.0" encoding="utf-8"?>
 <p:sldLayout xmlns:a="http://schemas.openxmlformats.org/drawingml/2006/main" xmlns:r="http://schemas.openxmlformats.org/officeDocument/2006/relationships" xmlns:p="http://schemas.openxmlformats.org/presentationml/2006/main" type="title">
   <p:cSld name="Titel en subtitel">
@@ -1115,7 +1464,7 @@
           <a:p>
             <a:fld id="{E43C3D67-E41A-49CD-A81C-4E2A886E7BC5}" type="datetimeFigureOut">
               <a:rPr lang="nl-NL" smtClean="0"/>
-              <a:t>13-6-2025</a:t>
+              <a:t>6-10-2025</a:t>
             </a:fld>
             <a:endParaRPr lang="nl-NL"/>
           </a:p>
@@ -1335,7 +1684,7 @@
           <a:p>
             <a:fld id="{E43C3D67-E41A-49CD-A81C-4E2A886E7BC5}" type="datetimeFigureOut">
               <a:rPr lang="nl-NL" smtClean="0"/>
-              <a:t>13-6-2025</a:t>
+              <a:t>6-10-2025</a:t>
             </a:fld>
             <a:endParaRPr lang="nl-NL"/>
           </a:p>
@@ -1533,7 +1882,7 @@
           <a:p>
             <a:fld id="{E43C3D67-E41A-49CD-A81C-4E2A886E7BC5}" type="datetimeFigureOut">
               <a:rPr lang="nl-NL" smtClean="0"/>
-              <a:t>13-6-2025</a:t>
+              <a:t>6-10-2025</a:t>
             </a:fld>
             <a:endParaRPr lang="nl-NL"/>
           </a:p>
@@ -1808,7 +2157,7 @@
           <a:p>
             <a:fld id="{E43C3D67-E41A-49CD-A81C-4E2A886E7BC5}" type="datetimeFigureOut">
               <a:rPr lang="nl-NL" smtClean="0"/>
-              <a:t>13-6-2025</a:t>
+              <a:t>6-10-2025</a:t>
             </a:fld>
             <a:endParaRPr lang="nl-NL"/>
           </a:p>
@@ -2073,7 +2422,7 @@
           <a:p>
             <a:fld id="{E43C3D67-E41A-49CD-A81C-4E2A886E7BC5}" type="datetimeFigureOut">
               <a:rPr lang="nl-NL" smtClean="0"/>
-              <a:t>13-6-2025</a:t>
+              <a:t>6-10-2025</a:t>
             </a:fld>
             <a:endParaRPr lang="nl-NL"/>
           </a:p>
@@ -2485,7 +2834,7 @@
           <a:p>
             <a:fld id="{E43C3D67-E41A-49CD-A81C-4E2A886E7BC5}" type="datetimeFigureOut">
               <a:rPr lang="nl-NL" smtClean="0"/>
-              <a:t>13-6-2025</a:t>
+              <a:t>6-10-2025</a:t>
             </a:fld>
             <a:endParaRPr lang="nl-NL"/>
           </a:p>
@@ -2626,7 +2975,7 @@
           <a:p>
             <a:fld id="{E43C3D67-E41A-49CD-A81C-4E2A886E7BC5}" type="datetimeFigureOut">
               <a:rPr lang="nl-NL" smtClean="0"/>
-              <a:t>13-6-2025</a:t>
+              <a:t>6-10-2025</a:t>
             </a:fld>
             <a:endParaRPr lang="nl-NL"/>
           </a:p>
@@ -2947,7 +3296,7 @@
           <a:p>
             <a:fld id="{E43C3D67-E41A-49CD-A81C-4E2A886E7BC5}" type="datetimeFigureOut">
               <a:rPr lang="nl-NL" smtClean="0"/>
-              <a:t>13-6-2025</a:t>
+              <a:t>6-10-2025</a:t>
             </a:fld>
             <a:endParaRPr lang="nl-NL"/>
           </a:p>
@@ -3258,7 +3607,7 @@
           <a:p>
             <a:fld id="{E43C3D67-E41A-49CD-A81C-4E2A886E7BC5}" type="datetimeFigureOut">
               <a:rPr lang="nl-NL" smtClean="0"/>
-              <a:t>13-6-2025</a:t>
+              <a:t>6-10-2025</a:t>
             </a:fld>
             <a:endParaRPr lang="nl-NL"/>
           </a:p>
@@ -3546,7 +3895,7 @@
           <a:p>
             <a:fld id="{E43C3D67-E41A-49CD-A81C-4E2A886E7BC5}" type="datetimeFigureOut">
               <a:rPr lang="nl-NL" smtClean="0"/>
-              <a:t>13-6-2025</a:t>
+              <a:t>6-10-2025</a:t>
             </a:fld>
             <a:endParaRPr lang="nl-NL"/>
           </a:p>
@@ -3744,7 +4093,7 @@
           <a:p>
             <a:fld id="{E43C3D67-E41A-49CD-A81C-4E2A886E7BC5}" type="datetimeFigureOut">
               <a:rPr lang="nl-NL" smtClean="0"/>
-              <a:t>13-6-2025</a:t>
+              <a:t>6-10-2025</a:t>
             </a:fld>
             <a:endParaRPr lang="nl-NL"/>
           </a:p>
@@ -3952,7 +4301,7 @@
           <a:p>
             <a:fld id="{E43C3D67-E41A-49CD-A81C-4E2A886E7BC5}" type="datetimeFigureOut">
               <a:rPr lang="nl-NL" smtClean="0"/>
-              <a:t>13-6-2025</a:t>
+              <a:t>6-10-2025</a:t>
             </a:fld>
             <a:endParaRPr lang="nl-NL"/>
           </a:p>
@@ -5056,7 +5405,7 @@
           </a:ln>
           <a:extLst>
             <a:ext uri="{C572A759-6A51-4108-AA02-DFA0A04FC94B}">
-              <ma14:wrappingTextBoxFlag xmlns:ma14="http://schemas.microsoft.com/office/mac/drawingml/2011/main" xmlns:a14="http://schemas.microsoft.com/office/drawing/2010/main" xmlns:m="http://schemas.openxmlformats.org/officeDocument/2006/math" xmlns="" val="1"/>
+              <ma14:wrappingTextBoxFlag xmlns="" xmlns:m="http://schemas.openxmlformats.org/officeDocument/2006/math" xmlns:a14="http://schemas.microsoft.com/office/drawing/2010/main" xmlns:ma14="http://schemas.microsoft.com/office/mac/drawingml/2011/main" val="1"/>
             </a:ext>
           </a:extLst>
         </p:spPr>
@@ -5095,7 +5444,7 @@
           </a:ln>
           <a:extLst>
             <a:ext uri="{C572A759-6A51-4108-AA02-DFA0A04FC94B}">
-              <ma14:wrappingTextBoxFlag xmlns:ma14="http://schemas.microsoft.com/office/mac/drawingml/2011/main" xmlns:a14="http://schemas.microsoft.com/office/drawing/2010/main" xmlns:m="http://schemas.openxmlformats.org/officeDocument/2006/math" xmlns="" val="1"/>
+              <ma14:wrappingTextBoxFlag xmlns="" xmlns:m="http://schemas.openxmlformats.org/officeDocument/2006/math" xmlns:a14="http://schemas.microsoft.com/office/drawing/2010/main" xmlns:ma14="http://schemas.microsoft.com/office/mac/drawingml/2011/main" val="1"/>
             </a:ext>
           </a:extLst>
         </p:spPr>
@@ -6074,7 +6423,7 @@
           <a:p>
             <a:fld id="{E43C3D67-E41A-49CD-A81C-4E2A886E7BC5}" type="datetimeFigureOut">
               <a:rPr lang="nl-NL" smtClean="0"/>
-              <a:t>13-6-2025</a:t>
+              <a:t>6-10-2025</a:t>
             </a:fld>
             <a:endParaRPr lang="nl-NL"/>
           </a:p>
@@ -6538,7 +6887,7 @@
           </a:ln>
           <a:extLst>
             <a:ext uri="{C572A759-6A51-4108-AA02-DFA0A04FC94B}">
-              <ma14:wrappingTextBoxFlag xmlns:ma14="http://schemas.microsoft.com/office/mac/drawingml/2011/main" xmlns:a14="http://schemas.microsoft.com/office/drawing/2010/main" xmlns:m="http://schemas.openxmlformats.org/officeDocument/2006/math" xmlns="" val="1"/>
+              <ma14:wrappingTextBoxFlag xmlns="" xmlns:m="http://schemas.openxmlformats.org/officeDocument/2006/math" xmlns:a14="http://schemas.microsoft.com/office/drawing/2010/main" xmlns:ma14="http://schemas.microsoft.com/office/mac/drawingml/2011/main" val="1"/>
             </a:ext>
           </a:extLst>
         </p:spPr>
@@ -6625,7 +6974,7 @@
           </a:ln>
           <a:extLst>
             <a:ext uri="{C572A759-6A51-4108-AA02-DFA0A04FC94B}">
-              <ma14:wrappingTextBoxFlag xmlns:ma14="http://schemas.microsoft.com/office/mac/drawingml/2011/main" xmlns:a14="http://schemas.microsoft.com/office/drawing/2010/main" xmlns:m="http://schemas.openxmlformats.org/officeDocument/2006/math" xmlns="" val="1"/>
+              <ma14:wrappingTextBoxFlag xmlns="" xmlns:m="http://schemas.openxmlformats.org/officeDocument/2006/math" xmlns:a14="http://schemas.microsoft.com/office/drawing/2010/main" xmlns:ma14="http://schemas.microsoft.com/office/mac/drawingml/2011/main" val="1"/>
             </a:ext>
           </a:extLst>
         </p:spPr>
@@ -6669,7 +7018,7 @@
           </a:ln>
           <a:extLst>
             <a:ext uri="{C572A759-6A51-4108-AA02-DFA0A04FC94B}">
-              <ma14:wrappingTextBoxFlag xmlns:ma14="http://schemas.microsoft.com/office/mac/drawingml/2011/main" xmlns:a14="http://schemas.microsoft.com/office/drawing/2010/main" xmlns:m="http://schemas.openxmlformats.org/officeDocument/2006/math" xmlns="" val="1"/>
+              <ma14:wrappingTextBoxFlag xmlns="" xmlns:m="http://schemas.openxmlformats.org/officeDocument/2006/math" xmlns:a14="http://schemas.microsoft.com/office/drawing/2010/main" xmlns:ma14="http://schemas.microsoft.com/office/mac/drawingml/2011/main" val="1"/>
             </a:ext>
           </a:extLst>
         </p:spPr>
@@ -6716,7 +7065,7 @@
           </a:ln>
           <a:extLst>
             <a:ext uri="{C572A759-6A51-4108-AA02-DFA0A04FC94B}">
-              <ma14:wrappingTextBoxFlag xmlns:ma14="http://schemas.microsoft.com/office/mac/drawingml/2011/main" xmlns:a14="http://schemas.microsoft.com/office/drawing/2010/main" xmlns:m="http://schemas.openxmlformats.org/officeDocument/2006/math" xmlns="" val="1"/>
+              <ma14:wrappingTextBoxFlag xmlns="" xmlns:m="http://schemas.openxmlformats.org/officeDocument/2006/math" xmlns:a14="http://schemas.microsoft.com/office/drawing/2010/main" xmlns:ma14="http://schemas.microsoft.com/office/mac/drawingml/2011/main" val="1"/>
             </a:ext>
           </a:extLst>
         </p:spPr>
@@ -6760,7 +7109,7 @@
           </a:ln>
           <a:extLst>
             <a:ext uri="{C572A759-6A51-4108-AA02-DFA0A04FC94B}">
-              <ma14:wrappingTextBoxFlag xmlns:ma14="http://schemas.microsoft.com/office/mac/drawingml/2011/main" xmlns:a14="http://schemas.microsoft.com/office/drawing/2010/main" xmlns:m="http://schemas.openxmlformats.org/officeDocument/2006/math" xmlns="" val="1"/>
+              <ma14:wrappingTextBoxFlag xmlns="" xmlns:m="http://schemas.openxmlformats.org/officeDocument/2006/math" xmlns:a14="http://schemas.microsoft.com/office/drawing/2010/main" xmlns:ma14="http://schemas.microsoft.com/office/mac/drawingml/2011/main" val="1"/>
             </a:ext>
           </a:extLst>
         </p:spPr>
@@ -6810,7 +7159,7 @@
           </a:ln>
           <a:extLst>
             <a:ext uri="{C572A759-6A51-4108-AA02-DFA0A04FC94B}">
-              <ma14:wrappingTextBoxFlag xmlns:ma14="http://schemas.microsoft.com/office/mac/drawingml/2011/main" xmlns:a14="http://schemas.microsoft.com/office/drawing/2010/main" xmlns:m="http://schemas.openxmlformats.org/officeDocument/2006/math" xmlns="" val="1"/>
+              <ma14:wrappingTextBoxFlag xmlns="" xmlns:m="http://schemas.openxmlformats.org/officeDocument/2006/math" xmlns:a14="http://schemas.microsoft.com/office/drawing/2010/main" xmlns:ma14="http://schemas.microsoft.com/office/mac/drawingml/2011/main" val="1"/>
             </a:ext>
           </a:extLst>
         </p:spPr>
@@ -6905,7 +7254,7 @@
             <a:effectLst/>
             <a:extLst>
               <a:ext uri="{C572A759-6A51-4108-AA02-DFA0A04FC94B}">
-                <ma14:wrappingTextBoxFlag xmlns:ma14="http://schemas.microsoft.com/office/mac/drawingml/2011/main" xmlns:a14="http://schemas.microsoft.com/office/drawing/2010/main" xmlns:m="http://schemas.openxmlformats.org/officeDocument/2006/math" xmlns="" val="1"/>
+                <ma14:wrappingTextBoxFlag xmlns="" xmlns:m="http://schemas.openxmlformats.org/officeDocument/2006/math" xmlns:a14="http://schemas.microsoft.com/office/drawing/2010/main" xmlns:ma14="http://schemas.microsoft.com/office/mac/drawingml/2011/main" val="1"/>
               </a:ext>
             </a:extLst>
           </p:spPr>
@@ -6939,7 +7288,7 @@
             <p:nvPr/>
           </p:nvPicPr>
           <p:blipFill>
-            <a:blip r:embed="rId2"/>
+            <a:blip r:embed="rId3"/>
             <a:stretch>
               <a:fillRect/>
             </a:stretch>
@@ -7005,7 +7354,7 @@
           </a:ln>
           <a:extLst>
             <a:ext uri="{C572A759-6A51-4108-AA02-DFA0A04FC94B}">
-              <ma14:wrappingTextBoxFlag xmlns:ma14="http://schemas.microsoft.com/office/mac/drawingml/2011/main" xmlns:a14="http://schemas.microsoft.com/office/drawing/2010/main" xmlns:m="http://schemas.openxmlformats.org/officeDocument/2006/math" xmlns="" val="1"/>
+              <ma14:wrappingTextBoxFlag xmlns="" xmlns:m="http://schemas.openxmlformats.org/officeDocument/2006/math" xmlns:a14="http://schemas.microsoft.com/office/drawing/2010/main" xmlns:ma14="http://schemas.microsoft.com/office/mac/drawingml/2011/main" val="1"/>
             </a:ext>
           </a:extLst>
         </p:spPr>
@@ -7103,7 +7452,7 @@
           </a:ln>
           <a:extLst>
             <a:ext uri="{C572A759-6A51-4108-AA02-DFA0A04FC94B}">
-              <ma14:wrappingTextBoxFlag xmlns:ma14="http://schemas.microsoft.com/office/mac/drawingml/2011/main" xmlns:a14="http://schemas.microsoft.com/office/drawing/2010/main" xmlns:m="http://schemas.openxmlformats.org/officeDocument/2006/math" xmlns="" val="1"/>
+              <ma14:wrappingTextBoxFlag xmlns="" xmlns:m="http://schemas.openxmlformats.org/officeDocument/2006/math" xmlns:a14="http://schemas.microsoft.com/office/drawing/2010/main" xmlns:ma14="http://schemas.microsoft.com/office/mac/drawingml/2011/main" val="1"/>
             </a:ext>
           </a:extLst>
         </p:spPr>
@@ -7200,7 +7549,7 @@
           </a:ln>
           <a:extLst>
             <a:ext uri="{C572A759-6A51-4108-AA02-DFA0A04FC94B}">
-              <ma14:wrappingTextBoxFlag xmlns:ma14="http://schemas.microsoft.com/office/mac/drawingml/2011/main" xmlns:a14="http://schemas.microsoft.com/office/drawing/2010/main" xmlns:m="http://schemas.openxmlformats.org/officeDocument/2006/math" xmlns="" val="1"/>
+              <ma14:wrappingTextBoxFlag xmlns="" xmlns:m="http://schemas.openxmlformats.org/officeDocument/2006/math" xmlns:a14="http://schemas.microsoft.com/office/drawing/2010/main" xmlns:ma14="http://schemas.microsoft.com/office/mac/drawingml/2011/main" val="1"/>
             </a:ext>
           </a:extLst>
         </p:spPr>
@@ -7265,7 +7614,7 @@
           </a:ln>
           <a:extLst>
             <a:ext uri="{C572A759-6A51-4108-AA02-DFA0A04FC94B}">
-              <ma14:wrappingTextBoxFlag xmlns:ma14="http://schemas.microsoft.com/office/mac/drawingml/2011/main" xmlns:a14="http://schemas.microsoft.com/office/drawing/2010/main" xmlns:m="http://schemas.openxmlformats.org/officeDocument/2006/math" xmlns="" val="1"/>
+              <ma14:wrappingTextBoxFlag xmlns="" xmlns:m="http://schemas.openxmlformats.org/officeDocument/2006/math" xmlns:a14="http://schemas.microsoft.com/office/drawing/2010/main" xmlns:ma14="http://schemas.microsoft.com/office/mac/drawingml/2011/main" val="1"/>
             </a:ext>
           </a:extLst>
         </p:spPr>
@@ -7427,7 +7776,7 @@
           </a:ln>
           <a:extLst>
             <a:ext uri="{C572A759-6A51-4108-AA02-DFA0A04FC94B}">
-              <ma14:wrappingTextBoxFlag xmlns:ma14="http://schemas.microsoft.com/office/mac/drawingml/2011/main" xmlns:a14="http://schemas.microsoft.com/office/drawing/2010/main" xmlns:m="http://schemas.openxmlformats.org/officeDocument/2006/math" xmlns="" val="1"/>
+              <ma14:wrappingTextBoxFlag xmlns="" xmlns:m="http://schemas.openxmlformats.org/officeDocument/2006/math" xmlns:a14="http://schemas.microsoft.com/office/drawing/2010/main" xmlns:ma14="http://schemas.microsoft.com/office/mac/drawingml/2011/main" val="1"/>
             </a:ext>
           </a:extLst>
         </p:spPr>
@@ -7534,7 +7883,7 @@
             <a:effectLst/>
             <a:extLst>
               <a:ext uri="{C572A759-6A51-4108-AA02-DFA0A04FC94B}">
-                <ma14:wrappingTextBoxFlag xmlns:ma14="http://schemas.microsoft.com/office/mac/drawingml/2011/main" xmlns:a14="http://schemas.microsoft.com/office/drawing/2010/main" xmlns:m="http://schemas.openxmlformats.org/officeDocument/2006/math" xmlns="" val="1"/>
+                <ma14:wrappingTextBoxFlag xmlns="" xmlns:m="http://schemas.openxmlformats.org/officeDocument/2006/math" xmlns:a14="http://schemas.microsoft.com/office/drawing/2010/main" xmlns:ma14="http://schemas.microsoft.com/office/mac/drawingml/2011/main" val="1"/>
               </a:ext>
             </a:extLst>
           </p:spPr>
@@ -7625,7 +7974,7 @@
             <a:effectLst/>
             <a:extLst>
               <a:ext uri="{C572A759-6A51-4108-AA02-DFA0A04FC94B}">
-                <ma14:wrappingTextBoxFlag xmlns:ma14="http://schemas.microsoft.com/office/mac/drawingml/2011/main" xmlns:a14="http://schemas.microsoft.com/office/drawing/2010/main" xmlns:m="http://schemas.openxmlformats.org/officeDocument/2006/math" xmlns="" val="1"/>
+                <ma14:wrappingTextBoxFlag xmlns="" xmlns:m="http://schemas.openxmlformats.org/officeDocument/2006/math" xmlns:a14="http://schemas.microsoft.com/office/drawing/2010/main" xmlns:ma14="http://schemas.microsoft.com/office/mac/drawingml/2011/main" val="1"/>
               </a:ext>
             </a:extLst>
           </p:spPr>
@@ -7701,7 +8050,7 @@
             <a:effectLst/>
             <a:extLst>
               <a:ext uri="{C572A759-6A51-4108-AA02-DFA0A04FC94B}">
-                <ma14:wrappingTextBoxFlag xmlns:ma14="http://schemas.microsoft.com/office/mac/drawingml/2011/main" xmlns:a14="http://schemas.microsoft.com/office/drawing/2010/main" xmlns:m="http://schemas.openxmlformats.org/officeDocument/2006/math" xmlns="" val="1"/>
+                <ma14:wrappingTextBoxFlag xmlns="" xmlns:m="http://schemas.openxmlformats.org/officeDocument/2006/math" xmlns:a14="http://schemas.microsoft.com/office/drawing/2010/main" xmlns:ma14="http://schemas.microsoft.com/office/mac/drawingml/2011/main" val="1"/>
               </a:ext>
             </a:extLst>
           </p:spPr>
@@ -7763,7 +8112,7 @@
             <a:effectLst/>
             <a:extLst>
               <a:ext uri="{C572A759-6A51-4108-AA02-DFA0A04FC94B}">
-                <ma14:wrappingTextBoxFlag xmlns:ma14="http://schemas.microsoft.com/office/mac/drawingml/2011/main" xmlns:a14="http://schemas.microsoft.com/office/drawing/2010/main" xmlns:m="http://schemas.openxmlformats.org/officeDocument/2006/math" xmlns="" val="1"/>
+                <ma14:wrappingTextBoxFlag xmlns="" xmlns:m="http://schemas.openxmlformats.org/officeDocument/2006/math" xmlns:a14="http://schemas.microsoft.com/office/drawing/2010/main" xmlns:ma14="http://schemas.microsoft.com/office/mac/drawingml/2011/main" val="1"/>
               </a:ext>
             </a:extLst>
           </p:spPr>
@@ -7854,7 +8203,7 @@
             <a:effectLst/>
             <a:extLst>
               <a:ext uri="{C572A759-6A51-4108-AA02-DFA0A04FC94B}">
-                <ma14:wrappingTextBoxFlag xmlns:ma14="http://schemas.microsoft.com/office/mac/drawingml/2011/main" xmlns:a14="http://schemas.microsoft.com/office/drawing/2010/main" xmlns:m="http://schemas.openxmlformats.org/officeDocument/2006/math" xmlns="" val="1"/>
+                <ma14:wrappingTextBoxFlag xmlns="" xmlns:m="http://schemas.openxmlformats.org/officeDocument/2006/math" xmlns:a14="http://schemas.microsoft.com/office/drawing/2010/main" xmlns:ma14="http://schemas.microsoft.com/office/mac/drawingml/2011/main" val="1"/>
               </a:ext>
             </a:extLst>
           </p:spPr>
@@ -7984,206 +8333,6 @@
 </file>
 
 <file path=ppt/slides/slide18.xml><?xml version="1.0" encoding="utf-8"?>
-<p:sld xmlns:a="http://schemas.openxmlformats.org/drawingml/2006/main" xmlns:r="http://schemas.openxmlformats.org/officeDocument/2006/relationships" xmlns:p="http://schemas.openxmlformats.org/presentationml/2006/main">
-  <p:cSld>
-    <p:spTree>
-      <p:nvGrpSpPr>
-        <p:cNvPr id="1" name=""/>
-        <p:cNvGrpSpPr/>
-        <p:nvPr/>
-      </p:nvGrpSpPr>
-      <p:grpSpPr>
-        <a:xfrm>
-          <a:off x="0" y="0"/>
-          <a:ext cx="0" cy="0"/>
-          <a:chOff x="0" y="0"/>
-          <a:chExt cx="0" cy="0"/>
-        </a:xfrm>
-      </p:grpSpPr>
-      <p:sp>
-        <p:nvSpPr>
-          <p:cNvPr id="181" name="Lijn"/>
-          <p:cNvSpPr/>
-          <p:nvPr/>
-        </p:nvSpPr>
-        <p:spPr>
-          <a:xfrm flipV="1">
-            <a:off x="1936482" y="1459216"/>
-            <a:ext cx="1" cy="6835168"/>
-          </a:xfrm>
-          <a:prstGeom prst="line">
-            <a:avLst/>
-          </a:prstGeom>
-          <a:ln w="25400">
-            <a:solidFill>
-              <a:srgbClr val="000000"/>
-            </a:solidFill>
-            <a:miter lim="400000"/>
-          </a:ln>
-        </p:spPr>
-        <p:txBody>
-          <a:bodyPr lIns="50800" tIns="50800" rIns="50800" bIns="50800" anchor="ctr"/>
-          <a:lstStyle/>
-          <a:p>
-            <a:pPr>
-              <a:defRPr sz="2400"/>
-            </a:pPr>
-            <a:endParaRPr/>
-          </a:p>
-        </p:txBody>
-      </p:sp>
-      <p:sp>
-        <p:nvSpPr>
-          <p:cNvPr id="182" name="Lijn"/>
-          <p:cNvSpPr/>
-          <p:nvPr/>
-        </p:nvSpPr>
-        <p:spPr>
-          <a:xfrm>
-            <a:off x="1071443" y="7761174"/>
-            <a:ext cx="10494179" cy="1"/>
-          </a:xfrm>
-          <a:prstGeom prst="line">
-            <a:avLst/>
-          </a:prstGeom>
-          <a:ln w="25400">
-            <a:solidFill>
-              <a:srgbClr val="000000"/>
-            </a:solidFill>
-            <a:miter lim="400000"/>
-          </a:ln>
-        </p:spPr>
-        <p:txBody>
-          <a:bodyPr lIns="50800" tIns="50800" rIns="50800" bIns="50800" anchor="ctr"/>
-          <a:lstStyle/>
-          <a:p>
-            <a:pPr>
-              <a:defRPr sz="2400"/>
-            </a:pPr>
-            <a:endParaRPr/>
-          </a:p>
-        </p:txBody>
-      </p:sp>
-      <p:sp>
-        <p:nvSpPr>
-          <p:cNvPr id="183" name="error →"/>
-          <p:cNvSpPr txBox="1"/>
-          <p:nvPr/>
-        </p:nvSpPr>
-        <p:spPr>
-          <a:xfrm rot="16200000">
-            <a:off x="410192" y="4006965"/>
-            <a:ext cx="1717626" cy="665560"/>
-          </a:xfrm>
-          <a:prstGeom prst="rect">
-            <a:avLst/>
-          </a:prstGeom>
-          <a:ln w="12700">
-            <a:miter lim="400000"/>
-          </a:ln>
-          <a:extLst>
-            <a:ext uri="{C572A759-6A51-4108-AA02-DFA0A04FC94B}">
-              <ma14:wrappingTextBoxFlag xmlns:ma14="http://schemas.microsoft.com/office/mac/drawingml/2011/main" xmlns:a14="http://schemas.microsoft.com/office/drawing/2010/main" xmlns:m="http://schemas.openxmlformats.org/officeDocument/2006/math" xmlns="" val="1"/>
-            </a:ext>
-          </a:extLst>
-        </p:spPr>
-        <p:txBody>
-          <a:bodyPr wrap="none" lIns="50800" tIns="50800" rIns="50800" bIns="50800" anchor="ctr">
-            <a:spAutoFit/>
-          </a:bodyPr>
-          <a:lstStyle/>
-          <a:p>
-            <a:pPr>
-              <a:defRPr>
-                <a:latin typeface="Calibri"/>
-                <a:ea typeface="Calibri"/>
-                <a:cs typeface="Calibri"/>
-                <a:sym typeface="Calibri"/>
-              </a:defRPr>
-            </a:pPr>
-            <a:r>
-              <a:t>error </a:t>
-            </a:r>
-            <a:r>
-              <a:rPr>
-                <a:latin typeface="Helvetica"/>
-                <a:ea typeface="Helvetica"/>
-                <a:cs typeface="Helvetica"/>
-                <a:sym typeface="Helvetica"/>
-              </a:rPr>
-              <a:t>→</a:t>
-            </a:r>
-            <a:r>
-              <a:t> </a:t>
-            </a:r>
-          </a:p>
-        </p:txBody>
-      </p:sp>
-      <p:sp>
-        <p:nvSpPr>
-          <p:cNvPr id="184" name="degree →"/>
-          <p:cNvSpPr txBox="1"/>
-          <p:nvPr/>
-        </p:nvSpPr>
-        <p:spPr>
-          <a:xfrm>
-            <a:off x="5467672" y="8218662"/>
-            <a:ext cx="2069456" cy="665561"/>
-          </a:xfrm>
-          <a:prstGeom prst="rect">
-            <a:avLst/>
-          </a:prstGeom>
-          <a:ln w="12700">
-            <a:miter lim="400000"/>
-          </a:ln>
-          <a:extLst>
-            <a:ext uri="{C572A759-6A51-4108-AA02-DFA0A04FC94B}">
-              <ma14:wrappingTextBoxFlag xmlns:ma14="http://schemas.microsoft.com/office/mac/drawingml/2011/main" xmlns:a14="http://schemas.microsoft.com/office/drawing/2010/main" xmlns:m="http://schemas.openxmlformats.org/officeDocument/2006/math" xmlns="" val="1"/>
-            </a:ext>
-          </a:extLst>
-        </p:spPr>
-        <p:txBody>
-          <a:bodyPr wrap="none" lIns="50800" tIns="50800" rIns="50800" bIns="50800" anchor="ctr">
-            <a:spAutoFit/>
-          </a:bodyPr>
-          <a:lstStyle/>
-          <a:p>
-            <a:pPr>
-              <a:defRPr>
-                <a:latin typeface="Calibri"/>
-                <a:ea typeface="Calibri"/>
-                <a:cs typeface="Calibri"/>
-                <a:sym typeface="Calibri"/>
-              </a:defRPr>
-            </a:pPr>
-            <a:r>
-              <a:t>degree </a:t>
-            </a:r>
-            <a:r>
-              <a:rPr>
-                <a:latin typeface="Helvetica"/>
-                <a:ea typeface="Helvetica"/>
-                <a:cs typeface="Helvetica"/>
-                <a:sym typeface="Helvetica"/>
-              </a:rPr>
-              <a:t>→</a:t>
-            </a:r>
-            <a:r>
-              <a:t> </a:t>
-            </a:r>
-          </a:p>
-        </p:txBody>
-      </p:sp>
-    </p:spTree>
-  </p:cSld>
-  <p:clrMapOvr>
-    <a:masterClrMapping/>
-  </p:clrMapOvr>
-  <p:transition spd="med"/>
-</p:sld>
-</file>
-
-<file path=ppt/slides/slide19.xml><?xml version="1.0" encoding="utf-8"?>
 <p:sld xmlns:a="http://schemas.openxmlformats.org/drawingml/2006/main" xmlns:r="http://schemas.openxmlformats.org/officeDocument/2006/relationships" xmlns:p="http://schemas.openxmlformats.org/presentationml/2006/main" show="0">
   <p:cSld>
     <p:spTree>
@@ -8236,6 +8385,76 @@
 </p:sld>
 </file>
 
+<file path=ppt/slides/slide19.xml><?xml version="1.0" encoding="utf-8"?>
+<p:sld xmlns:a="http://schemas.openxmlformats.org/drawingml/2006/main" xmlns:r="http://schemas.openxmlformats.org/officeDocument/2006/relationships" xmlns:p="http://schemas.openxmlformats.org/presentationml/2006/main">
+  <p:cSld>
+    <p:spTree>
+      <p:nvGrpSpPr>
+        <p:cNvPr id="1" name=""/>
+        <p:cNvGrpSpPr/>
+        <p:nvPr/>
+      </p:nvGrpSpPr>
+      <p:grpSpPr>
+        <a:xfrm>
+          <a:off x="0" y="0"/>
+          <a:ext cx="0" cy="0"/>
+          <a:chOff x="0" y="0"/>
+          <a:chExt cx="0" cy="0"/>
+        </a:xfrm>
+      </p:grpSpPr>
+      <p:sp>
+        <p:nvSpPr>
+          <p:cNvPr id="188" name="ml:confusion matrix"/>
+          <p:cNvSpPr txBox="1"/>
+          <p:nvPr/>
+        </p:nvSpPr>
+        <p:spPr>
+          <a:xfrm>
+            <a:off x="1215355" y="4292599"/>
+            <a:ext cx="10574090" cy="1168401"/>
+          </a:xfrm>
+          <a:prstGeom prst="rect">
+            <a:avLst/>
+          </a:prstGeom>
+          <a:ln w="12700">
+            <a:miter lim="400000"/>
+          </a:ln>
+          <a:extLst>
+            <a:ext uri="{C572A759-6A51-4108-AA02-DFA0A04FC94B}">
+              <ma14:wrappingTextBoxFlag xmlns="" xmlns:m="http://schemas.openxmlformats.org/officeDocument/2006/math" xmlns:a14="http://schemas.microsoft.com/office/drawing/2010/main" xmlns:ma14="http://schemas.microsoft.com/office/mac/drawingml/2011/main" val="1"/>
+            </a:ext>
+          </a:extLst>
+        </p:spPr>
+        <p:txBody>
+          <a:bodyPr wrap="none" lIns="50800" tIns="50800" rIns="50800" bIns="50800" anchor="ctr">
+            <a:spAutoFit/>
+          </a:bodyPr>
+          <a:lstStyle>
+            <a:lvl1pPr>
+              <a:defRPr sz="7200">
+                <a:latin typeface="Menlo Regular"/>
+                <a:ea typeface="Menlo Regular"/>
+                <a:cs typeface="Menlo Regular"/>
+                <a:sym typeface="Menlo Regular"/>
+              </a:defRPr>
+            </a:lvl1pPr>
+          </a:lstStyle>
+          <a:p>
+            <a:r>
+              <a:t>ml:confusion matrix</a:t>
+            </a:r>
+          </a:p>
+        </p:txBody>
+      </p:sp>
+    </p:spTree>
+  </p:cSld>
+  <p:clrMapOvr>
+    <a:masterClrMapping/>
+  </p:clrMapOvr>
+  <p:transition spd="med"/>
+</p:sld>
+</file>
+
 <file path=ppt/slides/slide2.xml><?xml version="1.0" encoding="utf-8"?>
 <p:sld xmlns:a="http://schemas.openxmlformats.org/drawingml/2006/main" xmlns:r="http://schemas.openxmlformats.org/officeDocument/2006/relationships" xmlns:p="http://schemas.openxmlformats.org/presentationml/2006/main">
   <p:cSld>
@@ -8272,7 +8491,7 @@
           </a:ln>
           <a:extLst>
             <a:ext uri="{C572A759-6A51-4108-AA02-DFA0A04FC94B}">
-              <ma14:wrappingTextBoxFlag xmlns:ma14="http://schemas.microsoft.com/office/mac/drawingml/2011/main" xmlns:a14="http://schemas.microsoft.com/office/drawing/2010/main" xmlns:m="http://schemas.openxmlformats.org/officeDocument/2006/math" xmlns="" val="1"/>
+              <ma14:wrappingTextBoxFlag xmlns="" xmlns:m="http://schemas.openxmlformats.org/officeDocument/2006/math" xmlns:a14="http://schemas.microsoft.com/office/drawing/2010/main" xmlns:ma14="http://schemas.microsoft.com/office/mac/drawingml/2011/main" val="1"/>
             </a:ext>
           </a:extLst>
         </p:spPr>
@@ -8307,76 +8526,6 @@
 </file>
 
 <file path=ppt/slides/slide20.xml><?xml version="1.0" encoding="utf-8"?>
-<p:sld xmlns:a="http://schemas.openxmlformats.org/drawingml/2006/main" xmlns:r="http://schemas.openxmlformats.org/officeDocument/2006/relationships" xmlns:p="http://schemas.openxmlformats.org/presentationml/2006/main">
-  <p:cSld>
-    <p:spTree>
-      <p:nvGrpSpPr>
-        <p:cNvPr id="1" name=""/>
-        <p:cNvGrpSpPr/>
-        <p:nvPr/>
-      </p:nvGrpSpPr>
-      <p:grpSpPr>
-        <a:xfrm>
-          <a:off x="0" y="0"/>
-          <a:ext cx="0" cy="0"/>
-          <a:chOff x="0" y="0"/>
-          <a:chExt cx="0" cy="0"/>
-        </a:xfrm>
-      </p:grpSpPr>
-      <p:sp>
-        <p:nvSpPr>
-          <p:cNvPr id="188" name="ml:confusion matrix"/>
-          <p:cNvSpPr txBox="1"/>
-          <p:nvPr/>
-        </p:nvSpPr>
-        <p:spPr>
-          <a:xfrm>
-            <a:off x="1215355" y="4292599"/>
-            <a:ext cx="10574090" cy="1168401"/>
-          </a:xfrm>
-          <a:prstGeom prst="rect">
-            <a:avLst/>
-          </a:prstGeom>
-          <a:ln w="12700">
-            <a:miter lim="400000"/>
-          </a:ln>
-          <a:extLst>
-            <a:ext uri="{C572A759-6A51-4108-AA02-DFA0A04FC94B}">
-              <ma14:wrappingTextBoxFlag xmlns:ma14="http://schemas.microsoft.com/office/mac/drawingml/2011/main" xmlns:a14="http://schemas.microsoft.com/office/drawing/2010/main" xmlns:m="http://schemas.openxmlformats.org/officeDocument/2006/math" xmlns="" val="1"/>
-            </a:ext>
-          </a:extLst>
-        </p:spPr>
-        <p:txBody>
-          <a:bodyPr wrap="none" lIns="50800" tIns="50800" rIns="50800" bIns="50800" anchor="ctr">
-            <a:spAutoFit/>
-          </a:bodyPr>
-          <a:lstStyle>
-            <a:lvl1pPr>
-              <a:defRPr sz="7200">
-                <a:latin typeface="Menlo Regular"/>
-                <a:ea typeface="Menlo Regular"/>
-                <a:cs typeface="Menlo Regular"/>
-                <a:sym typeface="Menlo Regular"/>
-              </a:defRPr>
-            </a:lvl1pPr>
-          </a:lstStyle>
-          <a:p>
-            <a:r>
-              <a:t>ml:confusion matrix</a:t>
-            </a:r>
-          </a:p>
-        </p:txBody>
-      </p:sp>
-    </p:spTree>
-  </p:cSld>
-  <p:clrMapOvr>
-    <a:masterClrMapping/>
-  </p:clrMapOvr>
-  <p:transition spd="med"/>
-</p:sld>
-</file>
-
-<file path=ppt/slides/slide21.xml><?xml version="1.0" encoding="utf-8"?>
 <p:sld xmlns:a="http://schemas.openxmlformats.org/drawingml/2006/main" xmlns:r="http://schemas.openxmlformats.org/officeDocument/2006/relationships" xmlns:p="http://schemas.openxmlformats.org/presentationml/2006/main">
   <p:cSld>
     <p:spTree>
@@ -8474,7 +8623,7 @@
             <a:effectLst/>
             <a:extLst>
               <a:ext uri="{C572A759-6A51-4108-AA02-DFA0A04FC94B}">
-                <ma14:wrappingTextBoxFlag xmlns:ma14="http://schemas.microsoft.com/office/mac/drawingml/2011/main" xmlns:a14="http://schemas.microsoft.com/office/drawing/2010/main" xmlns:m="http://schemas.openxmlformats.org/officeDocument/2006/math" xmlns="" val="1"/>
+                <ma14:wrappingTextBoxFlag xmlns="" xmlns:m="http://schemas.openxmlformats.org/officeDocument/2006/math" xmlns:a14="http://schemas.microsoft.com/office/drawing/2010/main" xmlns:ma14="http://schemas.microsoft.com/office/mac/drawingml/2011/main" val="1"/>
               </a:ext>
             </a:extLst>
           </p:spPr>
@@ -8584,7 +8733,7 @@
             <a:effectLst/>
             <a:extLst>
               <a:ext uri="{C572A759-6A51-4108-AA02-DFA0A04FC94B}">
-                <ma14:wrappingTextBoxFlag xmlns:ma14="http://schemas.microsoft.com/office/mac/drawingml/2011/main" xmlns:a14="http://schemas.microsoft.com/office/drawing/2010/main" xmlns:m="http://schemas.openxmlformats.org/officeDocument/2006/math" xmlns="" val="1"/>
+                <ma14:wrappingTextBoxFlag xmlns="" xmlns:m="http://schemas.openxmlformats.org/officeDocument/2006/math" xmlns:a14="http://schemas.microsoft.com/office/drawing/2010/main" xmlns:ma14="http://schemas.microsoft.com/office/mac/drawingml/2011/main" val="1"/>
               </a:ext>
             </a:extLst>
           </p:spPr>
@@ -8694,7 +8843,7 @@
             <a:effectLst/>
             <a:extLst>
               <a:ext uri="{C572A759-6A51-4108-AA02-DFA0A04FC94B}">
-                <ma14:wrappingTextBoxFlag xmlns:ma14="http://schemas.microsoft.com/office/mac/drawingml/2011/main" xmlns:a14="http://schemas.microsoft.com/office/drawing/2010/main" xmlns:m="http://schemas.openxmlformats.org/officeDocument/2006/math" xmlns="" val="1"/>
+                <ma14:wrappingTextBoxFlag xmlns="" xmlns:m="http://schemas.openxmlformats.org/officeDocument/2006/math" xmlns:a14="http://schemas.microsoft.com/office/drawing/2010/main" xmlns:ma14="http://schemas.microsoft.com/office/mac/drawingml/2011/main" val="1"/>
               </a:ext>
             </a:extLst>
           </p:spPr>
@@ -8812,7 +8961,7 @@
           </a:ln>
           <a:extLst>
             <a:ext uri="{C572A759-6A51-4108-AA02-DFA0A04FC94B}">
-              <ma14:wrappingTextBoxFlag xmlns:ma14="http://schemas.microsoft.com/office/mac/drawingml/2011/main" xmlns:a14="http://schemas.microsoft.com/office/drawing/2010/main" xmlns:m="http://schemas.openxmlformats.org/officeDocument/2006/math" xmlns="" val="1"/>
+              <ma14:wrappingTextBoxFlag xmlns="" xmlns:m="http://schemas.openxmlformats.org/officeDocument/2006/math" xmlns:a14="http://schemas.microsoft.com/office/drawing/2010/main" xmlns:ma14="http://schemas.microsoft.com/office/mac/drawingml/2011/main" val="1"/>
             </a:ext>
           </a:extLst>
         </p:spPr>
@@ -8859,7 +9008,7 @@
           </a:ln>
           <a:extLst>
             <a:ext uri="{C572A759-6A51-4108-AA02-DFA0A04FC94B}">
-              <ma14:wrappingTextBoxFlag xmlns:ma14="http://schemas.microsoft.com/office/mac/drawingml/2011/main" xmlns:a14="http://schemas.microsoft.com/office/drawing/2010/main" xmlns:m="http://schemas.openxmlformats.org/officeDocument/2006/math" xmlns="" val="1"/>
+              <ma14:wrappingTextBoxFlag xmlns="" xmlns:m="http://schemas.openxmlformats.org/officeDocument/2006/math" xmlns:a14="http://schemas.microsoft.com/office/drawing/2010/main" xmlns:ma14="http://schemas.microsoft.com/office/mac/drawingml/2011/main" val="1"/>
             </a:ext>
           </a:extLst>
         </p:spPr>
@@ -8906,7 +9055,7 @@
           </a:ln>
           <a:extLst>
             <a:ext uri="{C572A759-6A51-4108-AA02-DFA0A04FC94B}">
-              <ma14:wrappingTextBoxFlag xmlns:ma14="http://schemas.microsoft.com/office/mac/drawingml/2011/main" xmlns:a14="http://schemas.microsoft.com/office/drawing/2010/main" xmlns:m="http://schemas.openxmlformats.org/officeDocument/2006/math" xmlns="" val="1"/>
+              <ma14:wrappingTextBoxFlag xmlns="" xmlns:m="http://schemas.openxmlformats.org/officeDocument/2006/math" xmlns:a14="http://schemas.microsoft.com/office/drawing/2010/main" xmlns:ma14="http://schemas.microsoft.com/office/mac/drawingml/2011/main" val="1"/>
             </a:ext>
           </a:extLst>
         </p:spPr>
@@ -9014,7 +9163,7 @@
             <a:effectLst/>
             <a:extLst>
               <a:ext uri="{C572A759-6A51-4108-AA02-DFA0A04FC94B}">
-                <ma14:wrappingTextBoxFlag xmlns:ma14="http://schemas.microsoft.com/office/mac/drawingml/2011/main" xmlns:a14="http://schemas.microsoft.com/office/drawing/2010/main" xmlns:m="http://schemas.openxmlformats.org/officeDocument/2006/math" xmlns="" val="1"/>
+                <ma14:wrappingTextBoxFlag xmlns="" xmlns:m="http://schemas.openxmlformats.org/officeDocument/2006/math" xmlns:a14="http://schemas.microsoft.com/office/drawing/2010/main" xmlns:ma14="http://schemas.microsoft.com/office/mac/drawingml/2011/main" val="1"/>
               </a:ext>
             </a:extLst>
           </p:spPr>
@@ -9052,7 +9201,7 @@
 </p:sld>
 </file>
 
-<file path=ppt/slides/slide22.xml><?xml version="1.0" encoding="utf-8"?>
+<file path=ppt/slides/slide21.xml><?xml version="1.0" encoding="utf-8"?>
 <p:sld xmlns:a="http://schemas.openxmlformats.org/drawingml/2006/main" xmlns:r="http://schemas.openxmlformats.org/officeDocument/2006/relationships" xmlns:p="http://schemas.openxmlformats.org/presentationml/2006/main">
   <p:cSld>
     <p:spTree>
@@ -9158,7 +9307,7 @@
           </a:ln>
           <a:extLst>
             <a:ext uri="{C572A759-6A51-4108-AA02-DFA0A04FC94B}">
-              <ma14:wrappingTextBoxFlag xmlns:ma14="http://schemas.microsoft.com/office/mac/drawingml/2011/main" xmlns:a14="http://schemas.microsoft.com/office/drawing/2010/main" xmlns:m="http://schemas.openxmlformats.org/officeDocument/2006/math" xmlns="" val="1"/>
+              <ma14:wrappingTextBoxFlag xmlns="" xmlns:m="http://schemas.openxmlformats.org/officeDocument/2006/math" xmlns:a14="http://schemas.microsoft.com/office/drawing/2010/main" xmlns:ma14="http://schemas.microsoft.com/office/mac/drawingml/2011/main" val="1"/>
             </a:ext>
           </a:extLst>
         </p:spPr>
@@ -9205,7 +9354,7 @@
           </a:ln>
           <a:extLst>
             <a:ext uri="{C572A759-6A51-4108-AA02-DFA0A04FC94B}">
-              <ma14:wrappingTextBoxFlag xmlns:ma14="http://schemas.microsoft.com/office/mac/drawingml/2011/main" xmlns:a14="http://schemas.microsoft.com/office/drawing/2010/main" xmlns:m="http://schemas.openxmlformats.org/officeDocument/2006/math" xmlns="" val="1"/>
+              <ma14:wrappingTextBoxFlag xmlns="" xmlns:m="http://schemas.openxmlformats.org/officeDocument/2006/math" xmlns:a14="http://schemas.microsoft.com/office/drawing/2010/main" xmlns:ma14="http://schemas.microsoft.com/office/mac/drawingml/2011/main" val="1"/>
             </a:ext>
           </a:extLst>
         </p:spPr>
@@ -9252,7 +9401,7 @@
           </a:ln>
           <a:extLst>
             <a:ext uri="{C572A759-6A51-4108-AA02-DFA0A04FC94B}">
-              <ma14:wrappingTextBoxFlag xmlns:ma14="http://schemas.microsoft.com/office/mac/drawingml/2011/main" xmlns:a14="http://schemas.microsoft.com/office/drawing/2010/main" xmlns:m="http://schemas.openxmlformats.org/officeDocument/2006/math" xmlns="" val="1"/>
+              <ma14:wrappingTextBoxFlag xmlns="" xmlns:m="http://schemas.openxmlformats.org/officeDocument/2006/math" xmlns:a14="http://schemas.microsoft.com/office/drawing/2010/main" xmlns:ma14="http://schemas.microsoft.com/office/mac/drawingml/2011/main" val="1"/>
             </a:ext>
           </a:extLst>
         </p:spPr>
@@ -9308,7 +9457,7 @@
           </a:ln>
           <a:extLst>
             <a:ext uri="{C572A759-6A51-4108-AA02-DFA0A04FC94B}">
-              <ma14:wrappingTextBoxFlag xmlns:ma14="http://schemas.microsoft.com/office/mac/drawingml/2011/main" xmlns:a14="http://schemas.microsoft.com/office/drawing/2010/main" xmlns:m="http://schemas.openxmlformats.org/officeDocument/2006/math" xmlns="" val="1"/>
+              <ma14:wrappingTextBoxFlag xmlns="" xmlns:m="http://schemas.openxmlformats.org/officeDocument/2006/math" xmlns:a14="http://schemas.microsoft.com/office/drawing/2010/main" xmlns:ma14="http://schemas.microsoft.com/office/mac/drawingml/2011/main" val="1"/>
             </a:ext>
           </a:extLst>
         </p:spPr>
@@ -9364,7 +9513,7 @@
           </a:ln>
           <a:extLst>
             <a:ext uri="{C572A759-6A51-4108-AA02-DFA0A04FC94B}">
-              <ma14:wrappingTextBoxFlag xmlns:ma14="http://schemas.microsoft.com/office/mac/drawingml/2011/main" xmlns:a14="http://schemas.microsoft.com/office/drawing/2010/main" xmlns:m="http://schemas.openxmlformats.org/officeDocument/2006/math" xmlns="" val="1"/>
+              <ma14:wrappingTextBoxFlag xmlns="" xmlns:m="http://schemas.openxmlformats.org/officeDocument/2006/math" xmlns:a14="http://schemas.microsoft.com/office/drawing/2010/main" xmlns:ma14="http://schemas.microsoft.com/office/mac/drawingml/2011/main" val="1"/>
             </a:ext>
           </a:extLst>
         </p:spPr>
@@ -9420,7 +9569,7 @@
           </a:ln>
           <a:extLst>
             <a:ext uri="{C572A759-6A51-4108-AA02-DFA0A04FC94B}">
-              <ma14:wrappingTextBoxFlag xmlns:ma14="http://schemas.microsoft.com/office/mac/drawingml/2011/main" xmlns:a14="http://schemas.microsoft.com/office/drawing/2010/main" xmlns:m="http://schemas.openxmlformats.org/officeDocument/2006/math" xmlns="" val="1"/>
+              <ma14:wrappingTextBoxFlag xmlns="" xmlns:m="http://schemas.openxmlformats.org/officeDocument/2006/math" xmlns:a14="http://schemas.microsoft.com/office/drawing/2010/main" xmlns:ma14="http://schemas.microsoft.com/office/mac/drawingml/2011/main" val="1"/>
             </a:ext>
           </a:extLst>
         </p:spPr>
@@ -9790,7 +9939,7 @@
 </p:sld>
 </file>
 
-<file path=ppt/slides/slide23.xml><?xml version="1.0" encoding="utf-8"?>
+<file path=ppt/slides/slide22.xml><?xml version="1.0" encoding="utf-8"?>
 <p:sld xmlns:a="http://schemas.openxmlformats.org/drawingml/2006/main" xmlns:r="http://schemas.openxmlformats.org/officeDocument/2006/relationships" xmlns:p="http://schemas.openxmlformats.org/presentationml/2006/main">
   <p:cSld>
     <p:spTree>
@@ -13398,7 +13547,7 @@
           </a:ln>
           <a:extLst>
             <a:ext uri="{C572A759-6A51-4108-AA02-DFA0A04FC94B}">
-              <ma14:wrappingTextBoxFlag xmlns:ma14="http://schemas.microsoft.com/office/mac/drawingml/2011/main" xmlns:a14="http://schemas.microsoft.com/office/drawing/2010/main" xmlns:m="http://schemas.openxmlformats.org/officeDocument/2006/math" xmlns="" val="1"/>
+              <ma14:wrappingTextBoxFlag xmlns="" xmlns:m="http://schemas.openxmlformats.org/officeDocument/2006/math" xmlns:a14="http://schemas.microsoft.com/office/drawing/2010/main" xmlns:ma14="http://schemas.microsoft.com/office/mac/drawingml/2011/main" val="1"/>
             </a:ext>
           </a:extLst>
         </p:spPr>
@@ -13445,7 +13594,7 @@
           </a:ln>
           <a:extLst>
             <a:ext uri="{C572A759-6A51-4108-AA02-DFA0A04FC94B}">
-              <ma14:wrappingTextBoxFlag xmlns:ma14="http://schemas.microsoft.com/office/mac/drawingml/2011/main" xmlns:a14="http://schemas.microsoft.com/office/drawing/2010/main" xmlns:m="http://schemas.openxmlformats.org/officeDocument/2006/math" xmlns="" val="1"/>
+              <ma14:wrappingTextBoxFlag xmlns="" xmlns:m="http://schemas.openxmlformats.org/officeDocument/2006/math" xmlns:a14="http://schemas.microsoft.com/office/drawing/2010/main" xmlns:ma14="http://schemas.microsoft.com/office/mac/drawingml/2011/main" val="1"/>
             </a:ext>
           </a:extLst>
         </p:spPr>
@@ -13492,7 +13641,7 @@
           </a:ln>
           <a:extLst>
             <a:ext uri="{C572A759-6A51-4108-AA02-DFA0A04FC94B}">
-              <ma14:wrappingTextBoxFlag xmlns:ma14="http://schemas.microsoft.com/office/mac/drawingml/2011/main" xmlns:a14="http://schemas.microsoft.com/office/drawing/2010/main" xmlns:m="http://schemas.openxmlformats.org/officeDocument/2006/math" xmlns="" val="1"/>
+              <ma14:wrappingTextBoxFlag xmlns="" xmlns:m="http://schemas.openxmlformats.org/officeDocument/2006/math" xmlns:a14="http://schemas.microsoft.com/office/drawing/2010/main" xmlns:ma14="http://schemas.microsoft.com/office/mac/drawingml/2011/main" val="1"/>
             </a:ext>
           </a:extLst>
         </p:spPr>
@@ -14573,7 +14722,7 @@
             <a:effectLst/>
             <a:extLst>
               <a:ext uri="{C572A759-6A51-4108-AA02-DFA0A04FC94B}">
-                <ma14:wrappingTextBoxFlag xmlns:ma14="http://schemas.microsoft.com/office/mac/drawingml/2011/main" xmlns:a14="http://schemas.microsoft.com/office/drawing/2010/main" xmlns:m="http://schemas.openxmlformats.org/officeDocument/2006/math" xmlns="" val="1"/>
+                <ma14:wrappingTextBoxFlag xmlns="" xmlns:m="http://schemas.openxmlformats.org/officeDocument/2006/math" xmlns:a14="http://schemas.microsoft.com/office/drawing/2010/main" xmlns:ma14="http://schemas.microsoft.com/office/mac/drawingml/2011/main" val="1"/>
               </a:ext>
             </a:extLst>
           </p:spPr>
@@ -14698,7 +14847,7 @@
             <a:effectLst/>
             <a:extLst>
               <a:ext uri="{C572A759-6A51-4108-AA02-DFA0A04FC94B}">
-                <ma14:wrappingTextBoxFlag xmlns:ma14="http://schemas.microsoft.com/office/mac/drawingml/2011/main" xmlns:a14="http://schemas.microsoft.com/office/drawing/2010/main" xmlns:m="http://schemas.openxmlformats.org/officeDocument/2006/math" xmlns="" val="1"/>
+                <ma14:wrappingTextBoxFlag xmlns="" xmlns:m="http://schemas.openxmlformats.org/officeDocument/2006/math" xmlns:a14="http://schemas.microsoft.com/office/drawing/2010/main" xmlns:ma14="http://schemas.microsoft.com/office/mac/drawingml/2011/main" val="1"/>
               </a:ext>
             </a:extLst>
           </p:spPr>
@@ -14823,7 +14972,7 @@
             <a:effectLst/>
             <a:extLst>
               <a:ext uri="{C572A759-6A51-4108-AA02-DFA0A04FC94B}">
-                <ma14:wrappingTextBoxFlag xmlns:ma14="http://schemas.microsoft.com/office/mac/drawingml/2011/main" xmlns:a14="http://schemas.microsoft.com/office/drawing/2010/main" xmlns:m="http://schemas.openxmlformats.org/officeDocument/2006/math" xmlns="" val="1"/>
+                <ma14:wrappingTextBoxFlag xmlns="" xmlns:m="http://schemas.openxmlformats.org/officeDocument/2006/math" xmlns:a14="http://schemas.microsoft.com/office/drawing/2010/main" xmlns:ma14="http://schemas.microsoft.com/office/mac/drawingml/2011/main" val="1"/>
               </a:ext>
             </a:extLst>
           </p:spPr>
@@ -14947,7 +15096,7 @@
             <a:effectLst/>
             <a:extLst>
               <a:ext uri="{C572A759-6A51-4108-AA02-DFA0A04FC94B}">
-                <ma14:wrappingTextBoxFlag xmlns:ma14="http://schemas.microsoft.com/office/mac/drawingml/2011/main" xmlns:a14="http://schemas.microsoft.com/office/drawing/2010/main" xmlns:m="http://schemas.openxmlformats.org/officeDocument/2006/math" xmlns="" val="1"/>
+                <ma14:wrappingTextBoxFlag xmlns="" xmlns:m="http://schemas.openxmlformats.org/officeDocument/2006/math" xmlns:a14="http://schemas.microsoft.com/office/drawing/2010/main" xmlns:ma14="http://schemas.microsoft.com/office/mac/drawingml/2011/main" val="1"/>
               </a:ext>
             </a:extLst>
           </p:spPr>
@@ -15000,7 +15149,7 @@
 </p:sld>
 </file>
 
-<file path=ppt/slides/slide24.xml><?xml version="1.0" encoding="utf-8"?>
+<file path=ppt/slides/slide23.xml><?xml version="1.0" encoding="utf-8"?>
 <p:sld xmlns:a="http://schemas.openxmlformats.org/drawingml/2006/main" xmlns:r="http://schemas.openxmlformats.org/officeDocument/2006/relationships" xmlns:p="http://schemas.openxmlformats.org/presentationml/2006/main">
   <p:cSld>
     <p:spTree>
@@ -15248,7 +15397,7 @@
                 <a:avLst/>
               </a:prstGeom>
               <a:blipFill>
-                <a:blip r:embed="rId2"/>
+                <a:blip r:embed="rId3"/>
                 <a:stretch>
                   <a:fillRect l="-147" r="-9238" b="-5294"/>
                 </a:stretch>
@@ -15291,7 +15440,7 @@
           </a:ln>
           <a:extLst>
             <a:ext uri="{C572A759-6A51-4108-AA02-DFA0A04FC94B}">
-              <ma14:wrappingTextBoxFlag xmlns:ma14="http://schemas.microsoft.com/office/mac/drawingml/2011/main" xmlns:a14="http://schemas.microsoft.com/office/drawing/2010/main" xmlns:m="http://schemas.openxmlformats.org/officeDocument/2006/math" xmlns="" val="1"/>
+              <ma14:wrappingTextBoxFlag xmlns="" xmlns:m="http://schemas.openxmlformats.org/officeDocument/2006/math" xmlns:a14="http://schemas.microsoft.com/office/drawing/2010/main" xmlns:ma14="http://schemas.microsoft.com/office/mac/drawingml/2011/main" val="1"/>
             </a:ext>
           </a:extLst>
         </p:spPr>
@@ -15325,7 +15474,7 @@
 </p:sld>
 </file>
 
-<file path=ppt/slides/slide25.xml><?xml version="1.0" encoding="utf-8"?>
+<file path=ppt/slides/slide24.xml><?xml version="1.0" encoding="utf-8"?>
 <p:sld xmlns:a="http://schemas.openxmlformats.org/drawingml/2006/main" xmlns:r="http://schemas.openxmlformats.org/officeDocument/2006/relationships" xmlns:p="http://schemas.openxmlformats.org/presentationml/2006/main">
   <p:cSld>
     <p:spTree>
@@ -15459,7 +15608,7 @@
 </p:sld>
 </file>
 
-<file path=ppt/slides/slide26.xml><?xml version="1.0" encoding="utf-8"?>
+<file path=ppt/slides/slide25.xml><?xml version="1.0" encoding="utf-8"?>
 <p:sld xmlns:a="http://schemas.openxmlformats.org/drawingml/2006/main" xmlns:r="http://schemas.openxmlformats.org/officeDocument/2006/relationships" xmlns:p="http://schemas.openxmlformats.org/presentationml/2006/main">
   <p:cSld>
     <p:spTree>
@@ -16136,7 +16285,7 @@
 </p:sld>
 </file>
 
-<file path=ppt/slides/slide27.xml><?xml version="1.0" encoding="utf-8"?>
+<file path=ppt/slides/slide26.xml><?xml version="1.0" encoding="utf-8"?>
 <p:sld xmlns:a="http://schemas.openxmlformats.org/drawingml/2006/main" xmlns:r="http://schemas.openxmlformats.org/officeDocument/2006/relationships" xmlns:p="http://schemas.openxmlformats.org/presentationml/2006/main">
   <p:cSld>
     <p:spTree>
@@ -16172,7 +16321,7 @@
           </a:ln>
           <a:extLst>
             <a:ext uri="{C572A759-6A51-4108-AA02-DFA0A04FC94B}">
-              <ma14:wrappingTextBoxFlag xmlns:ma14="http://schemas.microsoft.com/office/mac/drawingml/2011/main" xmlns:a14="http://schemas.microsoft.com/office/drawing/2010/main" xmlns:m="http://schemas.openxmlformats.org/officeDocument/2006/math" xmlns="" val="1"/>
+              <ma14:wrappingTextBoxFlag xmlns="" xmlns:m="http://schemas.openxmlformats.org/officeDocument/2006/math" xmlns:a14="http://schemas.microsoft.com/office/drawing/2010/main" xmlns:ma14="http://schemas.microsoft.com/office/mac/drawingml/2011/main" val="1"/>
             </a:ext>
           </a:extLst>
         </p:spPr>
@@ -16311,7 +16460,7 @@
           </a:ln>
           <a:extLst>
             <a:ext uri="{C572A759-6A51-4108-AA02-DFA0A04FC94B}">
-              <ma14:wrappingTextBoxFlag xmlns:ma14="http://schemas.microsoft.com/office/mac/drawingml/2011/main" xmlns:a14="http://schemas.microsoft.com/office/drawing/2010/main" xmlns:m="http://schemas.openxmlformats.org/officeDocument/2006/math" xmlns="" val="1"/>
+              <ma14:wrappingTextBoxFlag xmlns="" xmlns:m="http://schemas.openxmlformats.org/officeDocument/2006/math" xmlns:a14="http://schemas.microsoft.com/office/drawing/2010/main" xmlns:ma14="http://schemas.microsoft.com/office/mac/drawingml/2011/main" val="1"/>
             </a:ext>
           </a:extLst>
         </p:spPr>
@@ -16366,7 +16515,7 @@
           </a:ln>
           <a:extLst>
             <a:ext uri="{C572A759-6A51-4108-AA02-DFA0A04FC94B}">
-              <ma14:wrappingTextBoxFlag xmlns:ma14="http://schemas.microsoft.com/office/mac/drawingml/2011/main" xmlns:a14="http://schemas.microsoft.com/office/drawing/2010/main" xmlns:m="http://schemas.openxmlformats.org/officeDocument/2006/math" xmlns="" val="1"/>
+              <ma14:wrappingTextBoxFlag xmlns="" xmlns:m="http://schemas.openxmlformats.org/officeDocument/2006/math" xmlns:a14="http://schemas.microsoft.com/office/drawing/2010/main" xmlns:ma14="http://schemas.microsoft.com/office/mac/drawingml/2011/main" val="1"/>
             </a:ext>
           </a:extLst>
         </p:spPr>
@@ -16411,7 +16560,7 @@
 </p:sld>
 </file>
 
-<file path=ppt/slides/slide28.xml><?xml version="1.0" encoding="utf-8"?>
+<file path=ppt/slides/slide27.xml><?xml version="1.0" encoding="utf-8"?>
 <p:sld xmlns:a="http://schemas.openxmlformats.org/drawingml/2006/main" xmlns:r="http://schemas.openxmlformats.org/officeDocument/2006/relationships" xmlns:p="http://schemas.openxmlformats.org/presentationml/2006/main">
   <p:cSld>
     <p:spTree>
@@ -16437,7 +16586,7 @@
           <p:nvPr/>
         </p:nvPicPr>
         <p:blipFill>
-          <a:blip r:embed="rId2"/>
+          <a:blip r:embed="rId3"/>
           <a:stretch>
             <a:fillRect/>
           </a:stretch>
@@ -16464,7 +16613,7 @@
 </p:sld>
 </file>
 
-<file path=ppt/slides/slide29.xml><?xml version="1.0" encoding="utf-8"?>
+<file path=ppt/slides/slide28.xml><?xml version="1.0" encoding="utf-8"?>
 <p:sld xmlns:a="http://schemas.openxmlformats.org/drawingml/2006/main" xmlns:r="http://schemas.openxmlformats.org/officeDocument/2006/relationships" xmlns:p="http://schemas.openxmlformats.org/presentationml/2006/main">
   <p:cSld>
     <p:spTree>
@@ -16564,7 +16713,7 @@
           </a:ln>
           <a:extLst>
             <a:ext uri="{C572A759-6A51-4108-AA02-DFA0A04FC94B}">
-              <ma14:wrappingTextBoxFlag xmlns:ma14="http://schemas.microsoft.com/office/mac/drawingml/2011/main" xmlns:a14="http://schemas.microsoft.com/office/drawing/2010/main" xmlns:m="http://schemas.openxmlformats.org/officeDocument/2006/math" xmlns="" val="1"/>
+              <ma14:wrappingTextBoxFlag xmlns="" xmlns:m="http://schemas.openxmlformats.org/officeDocument/2006/math" xmlns:a14="http://schemas.microsoft.com/office/drawing/2010/main" xmlns:ma14="http://schemas.microsoft.com/office/mac/drawingml/2011/main" val="1"/>
             </a:ext>
           </a:extLst>
         </p:spPr>
@@ -16619,7 +16768,7 @@
           </a:ln>
           <a:extLst>
             <a:ext uri="{C572A759-6A51-4108-AA02-DFA0A04FC94B}">
-              <ma14:wrappingTextBoxFlag xmlns:ma14="http://schemas.microsoft.com/office/mac/drawingml/2011/main" xmlns:a14="http://schemas.microsoft.com/office/drawing/2010/main" xmlns:m="http://schemas.openxmlformats.org/officeDocument/2006/math" xmlns="" val="1"/>
+              <ma14:wrappingTextBoxFlag xmlns="" xmlns:m="http://schemas.openxmlformats.org/officeDocument/2006/math" xmlns:a14="http://schemas.microsoft.com/office/drawing/2010/main" xmlns:ma14="http://schemas.microsoft.com/office/mac/drawingml/2011/main" val="1"/>
             </a:ext>
           </a:extLst>
         </p:spPr>
@@ -16664,60 +16813,7 @@
 </p:sld>
 </file>
 
-<file path=ppt/slides/slide3.xml><?xml version="1.0" encoding="utf-8"?>
-<p:sld xmlns:a="http://schemas.openxmlformats.org/drawingml/2006/main" xmlns:r="http://schemas.openxmlformats.org/officeDocument/2006/relationships" xmlns:p="http://schemas.openxmlformats.org/presentationml/2006/main">
-  <p:cSld>
-    <p:spTree>
-      <p:nvGrpSpPr>
-        <p:cNvPr id="1" name=""/>
-        <p:cNvGrpSpPr/>
-        <p:nvPr/>
-      </p:nvGrpSpPr>
-      <p:grpSpPr>
-        <a:xfrm>
-          <a:off x="0" y="0"/>
-          <a:ext cx="0" cy="0"/>
-          <a:chOff x="0" y="0"/>
-          <a:chExt cx="0" cy="0"/>
-        </a:xfrm>
-      </p:grpSpPr>
-      <p:pic>
-        <p:nvPicPr>
-          <p:cNvPr id="124" name="pasted-image.png" descr="pasted-image.png"/>
-          <p:cNvPicPr>
-            <a:picLocks noChangeAspect="1"/>
-          </p:cNvPicPr>
-          <p:nvPr/>
-        </p:nvPicPr>
-        <p:blipFill>
-          <a:blip r:embed="rId2"/>
-          <a:stretch>
-            <a:fillRect/>
-          </a:stretch>
-        </p:blipFill>
-        <p:spPr>
-          <a:xfrm>
-            <a:off x="1295536" y="308815"/>
-            <a:ext cx="10413728" cy="9135970"/>
-          </a:xfrm>
-          <a:prstGeom prst="rect">
-            <a:avLst/>
-          </a:prstGeom>
-          <a:ln w="12700">
-            <a:miter lim="400000"/>
-          </a:ln>
-        </p:spPr>
-      </p:pic>
-    </p:spTree>
-  </p:cSld>
-  <p:clrMapOvr>
-    <a:masterClrMapping/>
-  </p:clrMapOvr>
-  <p:transition spd="med"/>
-</p:sld>
-</file>
-
-<file path=ppt/slides/slide30.xml><?xml version="1.0" encoding="utf-8"?>
+<file path=ppt/slides/slide29.xml><?xml version="1.0" encoding="utf-8"?>
 <p:sld xmlns:a="http://schemas.openxmlformats.org/drawingml/2006/main" xmlns:r="http://schemas.openxmlformats.org/officeDocument/2006/relationships" xmlns:p="http://schemas.openxmlformats.org/presentationml/2006/main">
   <p:cSld>
     <p:spTree>
@@ -16855,7 +16951,60 @@
 </p:sld>
 </file>
 
-<file path=ppt/slides/slide31.xml><?xml version="1.0" encoding="utf-8"?>
+<file path=ppt/slides/slide3.xml><?xml version="1.0" encoding="utf-8"?>
+<p:sld xmlns:a="http://schemas.openxmlformats.org/drawingml/2006/main" xmlns:r="http://schemas.openxmlformats.org/officeDocument/2006/relationships" xmlns:p="http://schemas.openxmlformats.org/presentationml/2006/main">
+  <p:cSld>
+    <p:spTree>
+      <p:nvGrpSpPr>
+        <p:cNvPr id="1" name=""/>
+        <p:cNvGrpSpPr/>
+        <p:nvPr/>
+      </p:nvGrpSpPr>
+      <p:grpSpPr>
+        <a:xfrm>
+          <a:off x="0" y="0"/>
+          <a:ext cx="0" cy="0"/>
+          <a:chOff x="0" y="0"/>
+          <a:chExt cx="0" cy="0"/>
+        </a:xfrm>
+      </p:grpSpPr>
+      <p:pic>
+        <p:nvPicPr>
+          <p:cNvPr id="124" name="pasted-image.png" descr="pasted-image.png"/>
+          <p:cNvPicPr>
+            <a:picLocks noChangeAspect="1"/>
+          </p:cNvPicPr>
+          <p:nvPr/>
+        </p:nvPicPr>
+        <p:blipFill>
+          <a:blip r:embed="rId2"/>
+          <a:stretch>
+            <a:fillRect/>
+          </a:stretch>
+        </p:blipFill>
+        <p:spPr>
+          <a:xfrm>
+            <a:off x="1295536" y="308815"/>
+            <a:ext cx="10413728" cy="9135970"/>
+          </a:xfrm>
+          <a:prstGeom prst="rect">
+            <a:avLst/>
+          </a:prstGeom>
+          <a:ln w="12700">
+            <a:miter lim="400000"/>
+          </a:ln>
+        </p:spPr>
+      </p:pic>
+    </p:spTree>
+  </p:cSld>
+  <p:clrMapOvr>
+    <a:masterClrMapping/>
+  </p:clrMapOvr>
+  <p:transition spd="med"/>
+</p:sld>
+</file>
+
+<file path=ppt/slides/slide30.xml><?xml version="1.0" encoding="utf-8"?>
 <p:sld xmlns:a="http://schemas.openxmlformats.org/drawingml/2006/main" xmlns:r="http://schemas.openxmlformats.org/officeDocument/2006/relationships" xmlns:p="http://schemas.openxmlformats.org/presentationml/2006/main">
   <p:cSld>
     <p:spTree>
@@ -16996,7 +17145,7 @@
 </p:sld>
 </file>
 
-<file path=ppt/slides/slide32.xml><?xml version="1.0" encoding="utf-8"?>
+<file path=ppt/slides/slide31.xml><?xml version="1.0" encoding="utf-8"?>
 <p:sld xmlns:a="http://schemas.openxmlformats.org/drawingml/2006/main" xmlns:r="http://schemas.openxmlformats.org/officeDocument/2006/relationships" xmlns:p="http://schemas.openxmlformats.org/presentationml/2006/main">
   <p:cSld>
     <p:spTree>
@@ -17032,7 +17181,7 @@
           </a:ln>
           <a:extLst>
             <a:ext uri="{C572A759-6A51-4108-AA02-DFA0A04FC94B}">
-              <ma14:wrappingTextBoxFlag xmlns:ma14="http://schemas.microsoft.com/office/mac/drawingml/2011/main" xmlns:a14="http://schemas.microsoft.com/office/drawing/2010/main" xmlns:m="http://schemas.openxmlformats.org/officeDocument/2006/math" xmlns="" val="1"/>
+              <ma14:wrappingTextBoxFlag xmlns="" xmlns:m="http://schemas.openxmlformats.org/officeDocument/2006/math" xmlns:a14="http://schemas.microsoft.com/office/drawing/2010/main" xmlns:ma14="http://schemas.microsoft.com/office/mac/drawingml/2011/main" val="1"/>
             </a:ext>
           </a:extLst>
         </p:spPr>
@@ -17076,7 +17225,7 @@
 </p:sld>
 </file>
 
-<file path=ppt/slides/slide33.xml><?xml version="1.0" encoding="utf-8"?>
+<file path=ppt/slides/slide32.xml><?xml version="1.0" encoding="utf-8"?>
 <p:sld xmlns:a="http://schemas.openxmlformats.org/drawingml/2006/main" xmlns:r="http://schemas.openxmlformats.org/officeDocument/2006/relationships" xmlns:p="http://schemas.openxmlformats.org/presentationml/2006/main">
   <p:cSld>
     <p:spTree>
@@ -17112,7 +17261,7 @@
           </a:ln>
           <a:extLst>
             <a:ext uri="{C572A759-6A51-4108-AA02-DFA0A04FC94B}">
-              <ma14:wrappingTextBoxFlag xmlns:ma14="http://schemas.microsoft.com/office/mac/drawingml/2011/main" xmlns:a14="http://schemas.microsoft.com/office/drawing/2010/main" xmlns:m="http://schemas.openxmlformats.org/officeDocument/2006/math" xmlns="" val="1"/>
+              <ma14:wrappingTextBoxFlag xmlns="" xmlns:m="http://schemas.openxmlformats.org/officeDocument/2006/math" xmlns:a14="http://schemas.microsoft.com/office/drawing/2010/main" xmlns:ma14="http://schemas.microsoft.com/office/mac/drawingml/2011/main" val="1"/>
             </a:ext>
           </a:extLst>
         </p:spPr>
@@ -17207,7 +17356,7 @@
             <a:effectLst/>
             <a:extLst>
               <a:ext uri="{C572A759-6A51-4108-AA02-DFA0A04FC94B}">
-                <ma14:wrappingTextBoxFlag xmlns:ma14="http://schemas.microsoft.com/office/mac/drawingml/2011/main" xmlns:a14="http://schemas.microsoft.com/office/drawing/2010/main" xmlns:m="http://schemas.openxmlformats.org/officeDocument/2006/math" xmlns="" val="1"/>
+                <ma14:wrappingTextBoxFlag xmlns="" xmlns:m="http://schemas.openxmlformats.org/officeDocument/2006/math" xmlns:a14="http://schemas.microsoft.com/office/drawing/2010/main" xmlns:ma14="http://schemas.microsoft.com/office/mac/drawingml/2011/main" val="1"/>
               </a:ext>
             </a:extLst>
           </p:spPr>
@@ -17317,7 +17466,7 @@
             <a:effectLst/>
             <a:extLst>
               <a:ext uri="{C572A759-6A51-4108-AA02-DFA0A04FC94B}">
-                <ma14:wrappingTextBoxFlag xmlns:ma14="http://schemas.microsoft.com/office/mac/drawingml/2011/main" xmlns:a14="http://schemas.microsoft.com/office/drawing/2010/main" xmlns:m="http://schemas.openxmlformats.org/officeDocument/2006/math" xmlns="" val="1"/>
+                <ma14:wrappingTextBoxFlag xmlns="" xmlns:m="http://schemas.openxmlformats.org/officeDocument/2006/math" xmlns:a14="http://schemas.microsoft.com/office/drawing/2010/main" xmlns:ma14="http://schemas.microsoft.com/office/mac/drawingml/2011/main" val="1"/>
               </a:ext>
             </a:extLst>
           </p:spPr>
@@ -17362,7 +17511,7 @@
           </a:ln>
           <a:extLst>
             <a:ext uri="{C572A759-6A51-4108-AA02-DFA0A04FC94B}">
-              <ma14:wrappingTextBoxFlag xmlns:ma14="http://schemas.microsoft.com/office/mac/drawingml/2011/main" xmlns:a14="http://schemas.microsoft.com/office/drawing/2010/main" xmlns:m="http://schemas.openxmlformats.org/officeDocument/2006/math" xmlns="" val="1"/>
+              <ma14:wrappingTextBoxFlag xmlns="" xmlns:m="http://schemas.openxmlformats.org/officeDocument/2006/math" xmlns:a14="http://schemas.microsoft.com/office/drawing/2010/main" xmlns:ma14="http://schemas.microsoft.com/office/mac/drawingml/2011/main" val="1"/>
             </a:ext>
           </a:extLst>
         </p:spPr>
@@ -17406,7 +17555,7 @@
           </a:ln>
           <a:extLst>
             <a:ext uri="{C572A759-6A51-4108-AA02-DFA0A04FC94B}">
-              <ma14:wrappingTextBoxFlag xmlns:ma14="http://schemas.microsoft.com/office/mac/drawingml/2011/main" xmlns:a14="http://schemas.microsoft.com/office/drawing/2010/main" xmlns:m="http://schemas.openxmlformats.org/officeDocument/2006/math" xmlns="" val="1"/>
+              <ma14:wrappingTextBoxFlag xmlns="" xmlns:m="http://schemas.openxmlformats.org/officeDocument/2006/math" xmlns:a14="http://schemas.microsoft.com/office/drawing/2010/main" xmlns:ma14="http://schemas.microsoft.com/office/mac/drawingml/2011/main" val="1"/>
             </a:ext>
           </a:extLst>
         </p:spPr>
@@ -17450,7 +17599,7 @@
           </a:ln>
           <a:extLst>
             <a:ext uri="{C572A759-6A51-4108-AA02-DFA0A04FC94B}">
-              <ma14:wrappingTextBoxFlag xmlns:ma14="http://schemas.microsoft.com/office/mac/drawingml/2011/main" xmlns:a14="http://schemas.microsoft.com/office/drawing/2010/main" xmlns:m="http://schemas.openxmlformats.org/officeDocument/2006/math" xmlns="" val="1"/>
+              <ma14:wrappingTextBoxFlag xmlns="" xmlns:m="http://schemas.openxmlformats.org/officeDocument/2006/math" xmlns:a14="http://schemas.microsoft.com/office/drawing/2010/main" xmlns:ma14="http://schemas.microsoft.com/office/mac/drawingml/2011/main" val="1"/>
             </a:ext>
           </a:extLst>
         </p:spPr>
@@ -17494,7 +17643,7 @@
           </a:ln>
           <a:extLst>
             <a:ext uri="{C572A759-6A51-4108-AA02-DFA0A04FC94B}">
-              <ma14:wrappingTextBoxFlag xmlns:ma14="http://schemas.microsoft.com/office/mac/drawingml/2011/main" xmlns:a14="http://schemas.microsoft.com/office/drawing/2010/main" xmlns:m="http://schemas.openxmlformats.org/officeDocument/2006/math" xmlns="" val="1"/>
+              <ma14:wrappingTextBoxFlag xmlns="" xmlns:m="http://schemas.openxmlformats.org/officeDocument/2006/math" xmlns:a14="http://schemas.microsoft.com/office/drawing/2010/main" xmlns:ma14="http://schemas.microsoft.com/office/mac/drawingml/2011/main" val="1"/>
             </a:ext>
           </a:extLst>
         </p:spPr>
@@ -17538,7 +17687,7 @@
           </a:ln>
           <a:extLst>
             <a:ext uri="{C572A759-6A51-4108-AA02-DFA0A04FC94B}">
-              <ma14:wrappingTextBoxFlag xmlns:ma14="http://schemas.microsoft.com/office/mac/drawingml/2011/main" xmlns:a14="http://schemas.microsoft.com/office/drawing/2010/main" xmlns:m="http://schemas.openxmlformats.org/officeDocument/2006/math" xmlns="" val="1"/>
+              <ma14:wrappingTextBoxFlag xmlns="" xmlns:m="http://schemas.openxmlformats.org/officeDocument/2006/math" xmlns:a14="http://schemas.microsoft.com/office/drawing/2010/main" xmlns:ma14="http://schemas.microsoft.com/office/mac/drawingml/2011/main" val="1"/>
             </a:ext>
           </a:extLst>
         </p:spPr>
@@ -17572,7 +17721,7 @@
 </p:sld>
 </file>
 
-<file path=ppt/slides/slide34.xml><?xml version="1.0" encoding="utf-8"?>
+<file path=ppt/slides/slide33.xml><?xml version="1.0" encoding="utf-8"?>
 <p:sld xmlns:a="http://schemas.openxmlformats.org/drawingml/2006/main" xmlns:r="http://schemas.openxmlformats.org/officeDocument/2006/relationships" xmlns:p="http://schemas.openxmlformats.org/presentationml/2006/main">
   <p:cSld>
     <p:spTree>
@@ -17688,7 +17837,7 @@
 </p:sld>
 </file>
 
-<file path=ppt/slides/slide35.xml><?xml version="1.0" encoding="utf-8"?>
+<file path=ppt/slides/slide34.xml><?xml version="1.0" encoding="utf-8"?>
 <p:sld xmlns:a="http://schemas.openxmlformats.org/drawingml/2006/main" xmlns:r="http://schemas.openxmlformats.org/officeDocument/2006/relationships" xmlns:p="http://schemas.openxmlformats.org/presentationml/2006/main">
   <p:cSld>
     <p:spTree>
@@ -17751,7 +17900,7 @@
           </a:ln>
           <a:extLst>
             <a:ext uri="{C572A759-6A51-4108-AA02-DFA0A04FC94B}">
-              <ma14:wrappingTextBoxFlag xmlns:ma14="http://schemas.microsoft.com/office/mac/drawingml/2011/main" xmlns:a14="http://schemas.microsoft.com/office/drawing/2010/main" xmlns:m="http://schemas.openxmlformats.org/officeDocument/2006/math" xmlns="" val="1"/>
+              <ma14:wrappingTextBoxFlag xmlns="" xmlns:m="http://schemas.openxmlformats.org/officeDocument/2006/math" xmlns:a14="http://schemas.microsoft.com/office/drawing/2010/main" xmlns:ma14="http://schemas.microsoft.com/office/mac/drawingml/2011/main" val="1"/>
             </a:ext>
           </a:extLst>
         </p:spPr>
@@ -17785,7 +17934,7 @@
 </p:sld>
 </file>
 
-<file path=ppt/slides/slide36.xml><?xml version="1.0" encoding="utf-8"?>
+<file path=ppt/slides/slide35.xml><?xml version="1.0" encoding="utf-8"?>
 <p:sld xmlns:a="http://schemas.openxmlformats.org/drawingml/2006/main" xmlns:r="http://schemas.openxmlformats.org/officeDocument/2006/relationships" xmlns:p="http://schemas.openxmlformats.org/presentationml/2006/main">
   <p:cSld>
     <p:spTree>
@@ -17931,7 +18080,7 @@
 </p:sld>
 </file>
 
-<file path=ppt/slides/slide37.xml><?xml version="1.0" encoding="utf-8"?>
+<file path=ppt/slides/slide36.xml><?xml version="1.0" encoding="utf-8"?>
 <p:sld xmlns:a="http://schemas.openxmlformats.org/drawingml/2006/main" xmlns:r="http://schemas.openxmlformats.org/officeDocument/2006/relationships" xmlns:p="http://schemas.openxmlformats.org/presentationml/2006/main">
   <p:cSld>
     <p:spTree>
@@ -17994,7 +18143,7 @@
           </a:ln>
           <a:extLst>
             <a:ext uri="{C572A759-6A51-4108-AA02-DFA0A04FC94B}">
-              <ma14:wrappingTextBoxFlag xmlns="" xmlns:m="http://schemas.openxmlformats.org/officeDocument/2006/math" xmlns:a14="http://schemas.microsoft.com/office/drawing/2010/main" xmlns:ma14="http://schemas.microsoft.com/office/mac/drawingml/2011/main" val="1"/>
+              <ma14:wrappingTextBoxFlag xmlns:ma14="http://schemas.microsoft.com/office/mac/drawingml/2011/main" xmlns:a14="http://schemas.microsoft.com/office/drawing/2010/main" xmlns:m="http://schemas.openxmlformats.org/officeDocument/2006/math" xmlns="" val="1"/>
             </a:ext>
           </a:extLst>
         </p:spPr>
@@ -18069,7 +18218,7 @@
 </p:sld>
 </file>
 
-<file path=ppt/slides/slide38.xml><?xml version="1.0" encoding="utf-8"?>
+<file path=ppt/slides/slide37.xml><?xml version="1.0" encoding="utf-8"?>
 <p:sld xmlns:a="http://schemas.openxmlformats.org/drawingml/2006/main" xmlns:r="http://schemas.openxmlformats.org/officeDocument/2006/relationships" xmlns:p="http://schemas.openxmlformats.org/presentationml/2006/main">
   <p:cSld>
     <p:spTree>
@@ -18205,7 +18354,7 @@
 </p:sld>
 </file>
 
-<file path=ppt/slides/slide39.xml><?xml version="1.0" encoding="utf-8"?>
+<file path=ppt/slides/slide38.xml><?xml version="1.0" encoding="utf-8"?>
 <p:sld xmlns:a="http://schemas.openxmlformats.org/drawingml/2006/main" xmlns:r="http://schemas.openxmlformats.org/officeDocument/2006/relationships" xmlns:p="http://schemas.openxmlformats.org/presentationml/2006/main">
   <p:cSld>
     <p:spTree>
@@ -18515,6 +18664,154 @@
     <p:extLst>
       <p:ext uri="{BB962C8B-B14F-4D97-AF65-F5344CB8AC3E}">
         <p14:creationId xmlns:p14="http://schemas.microsoft.com/office/powerpoint/2010/main" val="1215871647"/>
+      </p:ext>
+    </p:extLst>
+  </p:cSld>
+  <p:clrMapOvr>
+    <a:masterClrMapping/>
+  </p:clrMapOvr>
+</p:sld>
+</file>
+
+<file path=ppt/slides/slide39.xml><?xml version="1.0" encoding="utf-8"?>
+<p:sld xmlns:a="http://schemas.openxmlformats.org/drawingml/2006/main" xmlns:r="http://schemas.openxmlformats.org/officeDocument/2006/relationships" xmlns:p="http://schemas.openxmlformats.org/presentationml/2006/main">
+  <p:cSld>
+    <p:spTree>
+      <p:nvGrpSpPr>
+        <p:cNvPr id="1" name=""/>
+        <p:cNvGrpSpPr/>
+        <p:nvPr/>
+      </p:nvGrpSpPr>
+      <p:grpSpPr>
+        <a:xfrm>
+          <a:off x="0" y="0"/>
+          <a:ext cx="0" cy="0"/>
+          <a:chOff x="0" y="0"/>
+          <a:chExt cx="0" cy="0"/>
+        </a:xfrm>
+      </p:grpSpPr>
+      <p:sp>
+        <p:nvSpPr>
+          <p:cNvPr id="2" name="Titel 1">
+            <a:extLst>
+              <a:ext uri="{FF2B5EF4-FFF2-40B4-BE49-F238E27FC236}">
+                <a16:creationId xmlns:a16="http://schemas.microsoft.com/office/drawing/2014/main" id="{3FE860AA-8902-86F3-120B-4D7D7F693E8D}"/>
+              </a:ext>
+            </a:extLst>
+          </p:cNvPr>
+          <p:cNvSpPr>
+            <a:spLocks noGrp="1"/>
+          </p:cNvSpPr>
+          <p:nvPr>
+            <p:ph type="title"/>
+          </p:nvPr>
+        </p:nvSpPr>
+        <p:spPr/>
+        <p:txBody>
+          <a:bodyPr/>
+          <a:lstStyle/>
+          <a:p>
+            <a:r>
+              <a:rPr lang="nl-NL"/>
+              <a:t>RandomizedSearchCV</a:t>
+            </a:r>
+          </a:p>
+        </p:txBody>
+      </p:sp>
+      <p:sp>
+        <p:nvSpPr>
+          <p:cNvPr id="3" name="Tijdelijke aanduiding voor inhoud 2">
+            <a:extLst>
+              <a:ext uri="{FF2B5EF4-FFF2-40B4-BE49-F238E27FC236}">
+                <a16:creationId xmlns:a16="http://schemas.microsoft.com/office/drawing/2014/main" id="{E7633B9C-8941-26C5-BD39-C87C69E66656}"/>
+              </a:ext>
+            </a:extLst>
+          </p:cNvPr>
+          <p:cNvSpPr>
+            <a:spLocks noGrp="1"/>
+          </p:cNvSpPr>
+          <p:nvPr>
+            <p:ph idx="1"/>
+          </p:nvPr>
+        </p:nvSpPr>
+        <p:spPr/>
+        <p:txBody>
+          <a:bodyPr/>
+          <a:lstStyle/>
+          <a:p>
+            <a:r>
+              <a:rPr lang="nl-NL"/>
+              <a:t>Performt veel beter dan GridSearchCV</a:t>
+            </a:r>
+          </a:p>
+          <a:p>
+            <a:pPr lvl="1"/>
+            <a:r>
+              <a:rPr lang="nl-NL"/>
+              <a:t>Toevoegen van parameters maakt niet uit voor de doorlooptijd</a:t>
+            </a:r>
+          </a:p>
+          <a:p>
+            <a:r>
+              <a:rPr lang="nl-NL"/>
+              <a:t>Werkt soms zelfs beter dan GridSearchCV</a:t>
+            </a:r>
+          </a:p>
+          <a:p>
+            <a:pPr lvl="1"/>
+            <a:r>
+              <a:rPr lang="nl-NL"/>
+              <a:t>Van continue variabelen </a:t>
+            </a:r>
+            <a:r>
+              <a:rPr lang="nl-NL" i="1"/>
+              <a:t>kan</a:t>
+            </a:r>
+            <a:r>
+              <a:rPr lang="nl-NL"/>
+              <a:t> hiermee elke waarde aan bod komen</a:t>
+            </a:r>
+          </a:p>
+          <a:p>
+            <a:r>
+              <a:rPr lang="nl-NL"/>
+              <a:t>Parameter </a:t>
+            </a:r>
+            <a:r>
+              <a:rPr lang="nl-NL" i="1"/>
+              <a:t>n_iter </a:t>
+            </a:r>
+            <a:r>
+              <a:rPr lang="nl-NL"/>
+              <a:t>bepaalt hoeveel iteraties je wilt doen</a:t>
+            </a:r>
+          </a:p>
+          <a:p>
+            <a:r>
+              <a:rPr lang="nl-NL"/>
+              <a:t>In elke iteratie wordt een random combinatie geprobeerd</a:t>
+            </a:r>
+          </a:p>
+          <a:p>
+            <a:r>
+              <a:rPr lang="nl-NL" i="1"/>
+              <a:t>param_grid </a:t>
+            </a:r>
+            <a:r>
+              <a:rPr lang="nl-NL"/>
+              <a:t>=&gt; </a:t>
+            </a:r>
+            <a:r>
+              <a:rPr lang="nl-NL" b="1" i="1"/>
+              <a:t>param_distributions</a:t>
+            </a:r>
+          </a:p>
+        </p:txBody>
+      </p:sp>
+    </p:spTree>
+    <p:extLst>
+      <p:ext uri="{BB962C8B-B14F-4D97-AF65-F5344CB8AC3E}">
+        <p14:creationId xmlns:p14="http://schemas.microsoft.com/office/powerpoint/2010/main" val="2566703897"/>
       </p:ext>
     </p:extLst>
   </p:cSld>
@@ -18599,154 +18896,6 @@
           <p:cNvPr id="2" name="Titel 1">
             <a:extLst>
               <a:ext uri="{FF2B5EF4-FFF2-40B4-BE49-F238E27FC236}">
-                <a16:creationId xmlns:a16="http://schemas.microsoft.com/office/drawing/2014/main" id="{3FE860AA-8902-86F3-120B-4D7D7F693E8D}"/>
-              </a:ext>
-            </a:extLst>
-          </p:cNvPr>
-          <p:cNvSpPr>
-            <a:spLocks noGrp="1"/>
-          </p:cNvSpPr>
-          <p:nvPr>
-            <p:ph type="title"/>
-          </p:nvPr>
-        </p:nvSpPr>
-        <p:spPr/>
-        <p:txBody>
-          <a:bodyPr/>
-          <a:lstStyle/>
-          <a:p>
-            <a:r>
-              <a:rPr lang="nl-NL"/>
-              <a:t>RandomizedSearchCV</a:t>
-            </a:r>
-          </a:p>
-        </p:txBody>
-      </p:sp>
-      <p:sp>
-        <p:nvSpPr>
-          <p:cNvPr id="3" name="Tijdelijke aanduiding voor inhoud 2">
-            <a:extLst>
-              <a:ext uri="{FF2B5EF4-FFF2-40B4-BE49-F238E27FC236}">
-                <a16:creationId xmlns:a16="http://schemas.microsoft.com/office/drawing/2014/main" id="{E7633B9C-8941-26C5-BD39-C87C69E66656}"/>
-              </a:ext>
-            </a:extLst>
-          </p:cNvPr>
-          <p:cNvSpPr>
-            <a:spLocks noGrp="1"/>
-          </p:cNvSpPr>
-          <p:nvPr>
-            <p:ph idx="1"/>
-          </p:nvPr>
-        </p:nvSpPr>
-        <p:spPr/>
-        <p:txBody>
-          <a:bodyPr/>
-          <a:lstStyle/>
-          <a:p>
-            <a:r>
-              <a:rPr lang="nl-NL"/>
-              <a:t>Performt veel beter dan GridSearchCV</a:t>
-            </a:r>
-          </a:p>
-          <a:p>
-            <a:pPr lvl="1"/>
-            <a:r>
-              <a:rPr lang="nl-NL"/>
-              <a:t>Toevoegen van parameters maakt niet uit voor de doorlooptijd</a:t>
-            </a:r>
-          </a:p>
-          <a:p>
-            <a:r>
-              <a:rPr lang="nl-NL"/>
-              <a:t>Werkt soms zelfs beter dan GridSearchCV</a:t>
-            </a:r>
-          </a:p>
-          <a:p>
-            <a:pPr lvl="1"/>
-            <a:r>
-              <a:rPr lang="nl-NL"/>
-              <a:t>Van continue variabelen </a:t>
-            </a:r>
-            <a:r>
-              <a:rPr lang="nl-NL" i="1"/>
-              <a:t>kan</a:t>
-            </a:r>
-            <a:r>
-              <a:rPr lang="nl-NL"/>
-              <a:t> hiermee elke waarde aan bod komen</a:t>
-            </a:r>
-          </a:p>
-          <a:p>
-            <a:r>
-              <a:rPr lang="nl-NL"/>
-              <a:t>Parameter </a:t>
-            </a:r>
-            <a:r>
-              <a:rPr lang="nl-NL" i="1"/>
-              <a:t>n_iter </a:t>
-            </a:r>
-            <a:r>
-              <a:rPr lang="nl-NL"/>
-              <a:t>bepaalt hoeveel iteraties je wilt doen</a:t>
-            </a:r>
-          </a:p>
-          <a:p>
-            <a:r>
-              <a:rPr lang="nl-NL"/>
-              <a:t>In elke iteratie wordt een random combinatie geprobeerd</a:t>
-            </a:r>
-          </a:p>
-          <a:p>
-            <a:r>
-              <a:rPr lang="nl-NL" i="1"/>
-              <a:t>param_grid </a:t>
-            </a:r>
-            <a:r>
-              <a:rPr lang="nl-NL"/>
-              <a:t>=&gt; </a:t>
-            </a:r>
-            <a:r>
-              <a:rPr lang="nl-NL" b="1" i="1"/>
-              <a:t>param_distributions</a:t>
-            </a:r>
-          </a:p>
-        </p:txBody>
-      </p:sp>
-    </p:spTree>
-    <p:extLst>
-      <p:ext uri="{BB962C8B-B14F-4D97-AF65-F5344CB8AC3E}">
-        <p14:creationId xmlns:p14="http://schemas.microsoft.com/office/powerpoint/2010/main" val="2566703897"/>
-      </p:ext>
-    </p:extLst>
-  </p:cSld>
-  <p:clrMapOvr>
-    <a:masterClrMapping/>
-  </p:clrMapOvr>
-</p:sld>
-</file>
-
-<file path=ppt/slides/slide41.xml><?xml version="1.0" encoding="utf-8"?>
-<p:sld xmlns:a="http://schemas.openxmlformats.org/drawingml/2006/main" xmlns:r="http://schemas.openxmlformats.org/officeDocument/2006/relationships" xmlns:p="http://schemas.openxmlformats.org/presentationml/2006/main">
-  <p:cSld>
-    <p:spTree>
-      <p:nvGrpSpPr>
-        <p:cNvPr id="1" name=""/>
-        <p:cNvGrpSpPr/>
-        <p:nvPr/>
-      </p:nvGrpSpPr>
-      <p:grpSpPr>
-        <a:xfrm>
-          <a:off x="0" y="0"/>
-          <a:ext cx="0" cy="0"/>
-          <a:chOff x="0" y="0"/>
-          <a:chExt cx="0" cy="0"/>
-        </a:xfrm>
-      </p:grpSpPr>
-      <p:sp>
-        <p:nvSpPr>
-          <p:cNvPr id="2" name="Titel 1">
-            <a:extLst>
-              <a:ext uri="{FF2B5EF4-FFF2-40B4-BE49-F238E27FC236}">
                 <a16:creationId xmlns:a16="http://schemas.microsoft.com/office/drawing/2014/main" id="{120A2CC3-C13D-E93D-1C30-0611F416CCE7}"/>
               </a:ext>
             </a:extLst>
@@ -19047,7 +19196,7 @@
 </p:sld>
 </file>
 
-<file path=ppt/slides/slide42.xml><?xml version="1.0" encoding="utf-8"?>
+<file path=ppt/slides/slide41.xml><?xml version="1.0" encoding="utf-8"?>
 <p:sld xmlns:a="http://schemas.openxmlformats.org/drawingml/2006/main" xmlns:r="http://schemas.openxmlformats.org/officeDocument/2006/relationships" xmlns:p="http://schemas.openxmlformats.org/presentationml/2006/main">
   <p:cSld>
     <p:spTree>
@@ -19196,7 +19345,7 @@
 </p:sld>
 </file>
 
-<file path=ppt/slides/slide43.xml><?xml version="1.0" encoding="utf-8"?>
+<file path=ppt/slides/slide42.xml><?xml version="1.0" encoding="utf-8"?>
 <p:sld xmlns:a="http://schemas.openxmlformats.org/drawingml/2006/main" xmlns:r="http://schemas.openxmlformats.org/officeDocument/2006/relationships" xmlns:p="http://schemas.openxmlformats.org/presentationml/2006/main">
   <p:cSld>
     <p:spTree>
@@ -19314,7 +19463,7 @@
 </p:sld>
 </file>
 
-<file path=ppt/slides/slide44.xml><?xml version="1.0" encoding="utf-8"?>
+<file path=ppt/slides/slide43.xml><?xml version="1.0" encoding="utf-8"?>
 <p:sld xmlns:a="http://schemas.openxmlformats.org/drawingml/2006/main" xmlns:r="http://schemas.openxmlformats.org/officeDocument/2006/relationships" xmlns:p="http://schemas.openxmlformats.org/presentationml/2006/main">
   <p:cSld>
     <p:spTree>
@@ -19594,7 +19743,7 @@
           </a:ln>
           <a:extLst>
             <a:ext uri="{C572A759-6A51-4108-AA02-DFA0A04FC94B}">
-              <ma14:wrappingTextBoxFlag xmlns:ma14="http://schemas.microsoft.com/office/mac/drawingml/2011/main" xmlns:a14="http://schemas.microsoft.com/office/drawing/2010/main" xmlns:m="http://schemas.openxmlformats.org/officeDocument/2006/math" xmlns="" val="1"/>
+              <ma14:wrappingTextBoxFlag xmlns="" xmlns:m="http://schemas.openxmlformats.org/officeDocument/2006/math" xmlns:a14="http://schemas.microsoft.com/office/drawing/2010/main" xmlns:ma14="http://schemas.microsoft.com/office/mac/drawingml/2011/main" val="1"/>
             </a:ext>
           </a:extLst>
         </p:spPr>

--- a/lectures/wk5/ML_wk5_Modeleval_tuning.pptx
+++ b/lectures/wk5/ML_wk5_Modeleval_tuning.pptx
@@ -6,52 +6,53 @@
     <p:sldMasterId id="2147483661" r:id="rId2"/>
   </p:sldMasterIdLst>
   <p:notesMasterIdLst>
-    <p:notesMasterId r:id="rId46"/>
+    <p:notesMasterId r:id="rId47"/>
   </p:notesMasterIdLst>
   <p:sldIdLst>
     <p:sldId id="256" r:id="rId3"/>
-    <p:sldId id="257" r:id="rId4"/>
-    <p:sldId id="258" r:id="rId5"/>
-    <p:sldId id="259" r:id="rId6"/>
-    <p:sldId id="261" r:id="rId7"/>
-    <p:sldId id="262" r:id="rId8"/>
-    <p:sldId id="263" r:id="rId9"/>
-    <p:sldId id="264" r:id="rId10"/>
-    <p:sldId id="265" r:id="rId11"/>
-    <p:sldId id="266" r:id="rId12"/>
-    <p:sldId id="267" r:id="rId13"/>
+    <p:sldId id="316" r:id="rId4"/>
+    <p:sldId id="257" r:id="rId5"/>
+    <p:sldId id="258" r:id="rId6"/>
+    <p:sldId id="259" r:id="rId7"/>
+    <p:sldId id="261" r:id="rId8"/>
+    <p:sldId id="262" r:id="rId9"/>
+    <p:sldId id="263" r:id="rId10"/>
+    <p:sldId id="264" r:id="rId11"/>
+    <p:sldId id="265" r:id="rId12"/>
+    <p:sldId id="266" r:id="rId13"/>
     <p:sldId id="268" r:id="rId14"/>
-    <p:sldId id="269" r:id="rId15"/>
-    <p:sldId id="270" r:id="rId16"/>
-    <p:sldId id="271" r:id="rId17"/>
-    <p:sldId id="272" r:id="rId18"/>
-    <p:sldId id="273" r:id="rId19"/>
-    <p:sldId id="275" r:id="rId20"/>
-    <p:sldId id="276" r:id="rId21"/>
-    <p:sldId id="277" r:id="rId22"/>
-    <p:sldId id="278" r:id="rId23"/>
-    <p:sldId id="279" r:id="rId24"/>
-    <p:sldId id="280" r:id="rId25"/>
-    <p:sldId id="281" r:id="rId26"/>
-    <p:sldId id="282" r:id="rId27"/>
-    <p:sldId id="283" r:id="rId28"/>
-    <p:sldId id="284" r:id="rId29"/>
-    <p:sldId id="285" r:id="rId30"/>
-    <p:sldId id="286" r:id="rId31"/>
-    <p:sldId id="312" r:id="rId32"/>
-    <p:sldId id="313" r:id="rId33"/>
-    <p:sldId id="287" r:id="rId34"/>
-    <p:sldId id="291" r:id="rId35"/>
-    <p:sldId id="288" r:id="rId36"/>
-    <p:sldId id="292" r:id="rId37"/>
-    <p:sldId id="315" r:id="rId38"/>
-    <p:sldId id="294" r:id="rId39"/>
-    <p:sldId id="295" r:id="rId40"/>
-    <p:sldId id="296" r:id="rId41"/>
-    <p:sldId id="297" r:id="rId42"/>
-    <p:sldId id="298" r:id="rId43"/>
-    <p:sldId id="299" r:id="rId44"/>
-    <p:sldId id="300" r:id="rId45"/>
+    <p:sldId id="267" r:id="rId15"/>
+    <p:sldId id="269" r:id="rId16"/>
+    <p:sldId id="270" r:id="rId17"/>
+    <p:sldId id="271" r:id="rId18"/>
+    <p:sldId id="272" r:id="rId19"/>
+    <p:sldId id="273" r:id="rId20"/>
+    <p:sldId id="275" r:id="rId21"/>
+    <p:sldId id="276" r:id="rId22"/>
+    <p:sldId id="277" r:id="rId23"/>
+    <p:sldId id="278" r:id="rId24"/>
+    <p:sldId id="279" r:id="rId25"/>
+    <p:sldId id="280" r:id="rId26"/>
+    <p:sldId id="281" r:id="rId27"/>
+    <p:sldId id="282" r:id="rId28"/>
+    <p:sldId id="283" r:id="rId29"/>
+    <p:sldId id="284" r:id="rId30"/>
+    <p:sldId id="285" r:id="rId31"/>
+    <p:sldId id="286" r:id="rId32"/>
+    <p:sldId id="312" r:id="rId33"/>
+    <p:sldId id="313" r:id="rId34"/>
+    <p:sldId id="287" r:id="rId35"/>
+    <p:sldId id="291" r:id="rId36"/>
+    <p:sldId id="288" r:id="rId37"/>
+    <p:sldId id="292" r:id="rId38"/>
+    <p:sldId id="315" r:id="rId39"/>
+    <p:sldId id="294" r:id="rId40"/>
+    <p:sldId id="295" r:id="rId41"/>
+    <p:sldId id="296" r:id="rId42"/>
+    <p:sldId id="297" r:id="rId43"/>
+    <p:sldId id="298" r:id="rId44"/>
+    <p:sldId id="299" r:id="rId45"/>
+    <p:sldId id="300" r:id="rId46"/>
   </p:sldIdLst>
   <p:sldSz cx="13004800" cy="9753600"/>
   <p:notesSz cx="6858000" cy="9144000"/>
@@ -590,19 +591,19 @@
           <a:p>
             <a:r>
               <a:rPr lang="nl-NL"/>
-              <a:t>Regularisatie, parameter C.</a:t>
+              <a:t>Regularisatie, parameter C (~variance).</a:t>
             </a:r>
           </a:p>
           <a:p>
             <a:r>
               <a:rPr lang="nl-NL"/>
-              <a:t>Hoge C = lage regularisatie = smalle straat = kleine bias, hoge variance -&gt; kans op overfitting</a:t>
+              <a:t>Hoge C = lage regularisatie = smalle straat = weinig errors = kleine bias, hoge variance -&gt; kans op overfitting</a:t>
             </a:r>
           </a:p>
           <a:p>
             <a:r>
               <a:rPr lang="nl-NL"/>
-              <a:t>Lage C = hoge regularisatie = brede straat = grotere bias, lagere variance -&gt; kans op underfitting</a:t>
+              <a:t>Lage C = hoge regularisatie = brede straat = meer errors = grotere bias, lagere variance -&gt; kans op underfitting</a:t>
             </a:r>
           </a:p>
         </p:txBody>
@@ -666,13 +667,7 @@
           <a:p>
             <a:r>
               <a:rPr lang="nl-NL"/>
-              <a:t>Werkt bij ongeveer gelijke verdelingen (50% Virginica, 50% Setosa).</a:t>
-            </a:r>
-          </a:p>
-          <a:p>
-            <a:r>
-              <a:rPr lang="nl-NL"/>
-              <a:t>Werkt niet als de ene categorie veel zeldzamer is dan de andere (99% goedaardige tumor, 1% kwaadaardig =&gt; als je die ene mist is je accuracy nog steeds 0,99 maar je model is waardeloos).</a:t>
+              <a:t>Verschil bias en variance uitleggen</a:t>
             </a:r>
           </a:p>
         </p:txBody>
@@ -680,7 +675,7 @@
     </p:spTree>
     <p:extLst>
       <p:ext uri="{BB962C8B-B14F-4D97-AF65-F5344CB8AC3E}">
-        <p14:creationId xmlns:p14="http://schemas.microsoft.com/office/powerpoint/2010/main" val="4218382829"/>
+        <p14:creationId xmlns:p14="http://schemas.microsoft.com/office/powerpoint/2010/main" val="2673509017"/>
       </p:ext>
     </p:extLst>
   </p:cSld>
@@ -736,7 +731,13 @@
           <a:p>
             <a:r>
               <a:rPr lang="nl-NL"/>
-              <a:t>Kromme die op 1 begint (recall 0 = precision 1, als je alles mist hebt je ook geen FP’s) en dan (hopelijk) langzaam afloopt.</a:t>
+              <a:t>Werkt bij ongeveer gelijke verdelingen (50% Virginica, 50% Setosa).</a:t>
+            </a:r>
+          </a:p>
+          <a:p>
+            <a:r>
+              <a:rPr lang="nl-NL"/>
+              <a:t>Werkt niet als de ene categorie veel zeldzamer is dan de andere (99% goedaardige tumor, 1% kwaadaardig =&gt; als je die ene mist is je accuracy nog steeds 0,99 maar je model is waardeloos).</a:t>
             </a:r>
           </a:p>
         </p:txBody>
@@ -744,7 +745,7 @@
     </p:spTree>
     <p:extLst>
       <p:ext uri="{BB962C8B-B14F-4D97-AF65-F5344CB8AC3E}">
-        <p14:creationId xmlns:p14="http://schemas.microsoft.com/office/powerpoint/2010/main" val="1678877852"/>
+        <p14:creationId xmlns:p14="http://schemas.microsoft.com/office/powerpoint/2010/main" val="4218382829"/>
       </p:ext>
     </p:extLst>
   </p:cSld>
@@ -800,13 +801,7 @@
           <a:p>
             <a:r>
               <a:rPr lang="nl-NL"/>
-              <a:t>Hulpmiddel bij vorige slide. Zetten we het criterium naar links, dan neemt de Recall toe maar ten koste van de Precision (ook veel niet-Virginica’s worden als Virginica gezien).</a:t>
-            </a:r>
-          </a:p>
-          <a:p>
-            <a:r>
-              <a:rPr lang="nl-NL"/>
-              <a:t>Zetten we het criterium naar rechts, dan daalt de Recall (we gaan meer Virginica’s missen) maar neemt de Precision toe.</a:t>
+              <a:t>Kromme die op 1 begint (recall 0 = precision 1, als je alles mist hebt je ook geen FP’s) en dan (hopelijk) langzaam afloopt.</a:t>
             </a:r>
           </a:p>
         </p:txBody>
@@ -814,7 +809,7 @@
     </p:spTree>
     <p:extLst>
       <p:ext uri="{BB962C8B-B14F-4D97-AF65-F5344CB8AC3E}">
-        <p14:creationId xmlns:p14="http://schemas.microsoft.com/office/powerpoint/2010/main" val="3383823379"/>
+        <p14:creationId xmlns:p14="http://schemas.microsoft.com/office/powerpoint/2010/main" val="1678877852"/>
       </p:ext>
     </p:extLst>
   </p:cSld>
@@ -870,13 +865,89 @@
           <a:p>
             <a:r>
               <a:rPr lang="nl-NL"/>
+              <a:t>Hulpmiddel bij vorige slide. Zetten we het criterium naar links, dan neemt de Recall toe maar ten koste van de Precision (ook veel niet-Virginica’s worden als Virginica gezien).</a:t>
+            </a:r>
+          </a:p>
+          <a:p>
+            <a:r>
+              <a:rPr lang="nl-NL"/>
+              <a:t>Zetten we het criterium naar rechts, dan daalt de Recall (we gaan meer Virginica’s missen) maar neemt de Precision toe.</a:t>
+            </a:r>
+          </a:p>
+        </p:txBody>
+      </p:sp>
+    </p:spTree>
+    <p:extLst>
+      <p:ext uri="{BB962C8B-B14F-4D97-AF65-F5344CB8AC3E}">
+        <p14:creationId xmlns:p14="http://schemas.microsoft.com/office/powerpoint/2010/main" val="3383823379"/>
+      </p:ext>
+    </p:extLst>
+  </p:cSld>
+  <p:clrMapOvr>
+    <a:masterClrMapping/>
+  </p:clrMapOvr>
+</p:notes>
+</file>
+
+<file path=ppt/notesSlides/notesSlide6.xml><?xml version="1.0" encoding="utf-8"?>
+<p:notes xmlns:a="http://schemas.openxmlformats.org/drawingml/2006/main" xmlns:r="http://schemas.openxmlformats.org/officeDocument/2006/relationships" xmlns:p="http://schemas.openxmlformats.org/presentationml/2006/main">
+  <p:cSld>
+    <p:spTree>
+      <p:nvGrpSpPr>
+        <p:cNvPr id="1" name=""/>
+        <p:cNvGrpSpPr/>
+        <p:nvPr/>
+      </p:nvGrpSpPr>
+      <p:grpSpPr>
+        <a:xfrm>
+          <a:off x="0" y="0"/>
+          <a:ext cx="0" cy="0"/>
+          <a:chOff x="0" y="0"/>
+          <a:chExt cx="0" cy="0"/>
+        </a:xfrm>
+      </p:grpSpPr>
+      <p:sp>
+        <p:nvSpPr>
+          <p:cNvPr id="2" name="Tijdelijke aanduiding voor dia-afbeelding 1"/>
+          <p:cNvSpPr>
+            <a:spLocks noGrp="1" noRot="1" noChangeAspect="1"/>
+          </p:cNvSpPr>
+          <p:nvPr>
+            <p:ph type="sldImg"/>
+          </p:nvPr>
+        </p:nvSpPr>
+        <p:spPr/>
+      </p:sp>
+      <p:sp>
+        <p:nvSpPr>
+          <p:cNvPr id="3" name="Tijdelijke aanduiding voor notities 2"/>
+          <p:cNvSpPr>
+            <a:spLocks noGrp="1"/>
+          </p:cNvSpPr>
+          <p:nvPr>
+            <p:ph type="body" idx="1"/>
+          </p:nvPr>
+        </p:nvSpPr>
+        <p:spPr/>
+        <p:txBody>
+          <a:bodyPr/>
+          <a:lstStyle/>
+          <a:p>
+            <a:r>
+              <a:rPr lang="nl-NL"/>
               <a:t>X-as = FPR = FP / (FP + TN), dus aandeel van de FP’s in alle gevallen dat de werkelijke waarde 0/false is.</a:t>
             </a:r>
           </a:p>
           <a:p>
             <a:r>
               <a:rPr lang="nl-NL"/>
-              <a:t>Y-as = TPR = TP / (TP + FN), dus aandeel van de TP’s in alle gevallen dat de werkelijke waarde 1/true is.</a:t>
+              <a:t>Y-as = TPR = TP / (TP + FN), dus aandeel van de TP’s in alle gevallen dat de werkelijke waarde 1/true is. =RECALL</a:t>
+            </a:r>
+          </a:p>
+          <a:p>
+            <a:r>
+              <a:rPr lang="nl-NL"/>
+              <a:t>Diagonaal is random voorspeller. We willen een lijn zo hoog mogelijk boven de diagonaal, met de “knik” zoveel mogelijk links bovenin.</a:t>
             </a:r>
           </a:p>
         </p:txBody>
@@ -885,6 +956,79 @@
     <p:extLst>
       <p:ext uri="{BB962C8B-B14F-4D97-AF65-F5344CB8AC3E}">
         <p14:creationId xmlns:p14="http://schemas.microsoft.com/office/powerpoint/2010/main" val="3644200587"/>
+      </p:ext>
+    </p:extLst>
+  </p:cSld>
+  <p:clrMapOvr>
+    <a:masterClrMapping/>
+  </p:clrMapOvr>
+</p:notes>
+</file>
+
+<file path=ppt/notesSlides/notesSlide7.xml><?xml version="1.0" encoding="utf-8"?>
+<p:notes xmlns:a="http://schemas.openxmlformats.org/drawingml/2006/main" xmlns:r="http://schemas.openxmlformats.org/officeDocument/2006/relationships" xmlns:p="http://schemas.openxmlformats.org/presentationml/2006/main">
+  <p:cSld>
+    <p:spTree>
+      <p:nvGrpSpPr>
+        <p:cNvPr id="1" name=""/>
+        <p:cNvGrpSpPr/>
+        <p:nvPr/>
+      </p:nvGrpSpPr>
+      <p:grpSpPr>
+        <a:xfrm>
+          <a:off x="0" y="0"/>
+          <a:ext cx="0" cy="0"/>
+          <a:chOff x="0" y="0"/>
+          <a:chExt cx="0" cy="0"/>
+        </a:xfrm>
+      </p:grpSpPr>
+      <p:sp>
+        <p:nvSpPr>
+          <p:cNvPr id="2" name="Tijdelijke aanduiding voor dia-afbeelding 1"/>
+          <p:cNvSpPr>
+            <a:spLocks noGrp="1" noRot="1" noChangeAspect="1"/>
+          </p:cNvSpPr>
+          <p:nvPr>
+            <p:ph type="sldImg"/>
+          </p:nvPr>
+        </p:nvSpPr>
+        <p:spPr/>
+      </p:sp>
+      <p:sp>
+        <p:nvSpPr>
+          <p:cNvPr id="3" name="Tijdelijke aanduiding voor notities 2"/>
+          <p:cNvSpPr>
+            <a:spLocks noGrp="1"/>
+          </p:cNvSpPr>
+          <p:nvPr>
+            <p:ph type="body" idx="1"/>
+          </p:nvPr>
+        </p:nvSpPr>
+        <p:spPr/>
+        <p:txBody>
+          <a:bodyPr/>
+          <a:lstStyle/>
+          <a:p>
+            <a:r>
+              <a:rPr lang="nl-NL"/>
+              <a:t>X-as = FPR = FP / (FP + TN), dus aandeel van de FP’s in alle gevallen dat de werkelijke waarde 0/false is.</a:t>
+            </a:r>
+          </a:p>
+          <a:p>
+            <a:r>
+              <a:rPr lang="nl-NL"/>
+              <a:t>Y-as = TPR = TP / (TP + FN), dus aandeel van de TP’s in alle gevallen dat de werkelijke waarde 1/true is. =RECALL</a:t>
+            </a:r>
+          </a:p>
+          <a:p>
+            <a:endParaRPr lang="nl-NL"/>
+          </a:p>
+        </p:txBody>
+      </p:sp>
+    </p:spTree>
+    <p:extLst>
+      <p:ext uri="{BB962C8B-B14F-4D97-AF65-F5344CB8AC3E}">
+        <p14:creationId xmlns:p14="http://schemas.microsoft.com/office/powerpoint/2010/main" val="3534819706"/>
       </p:ext>
     </p:extLst>
   </p:cSld>
@@ -1464,7 +1608,7 @@
           <a:p>
             <a:fld id="{E43C3D67-E41A-49CD-A81C-4E2A886E7BC5}" type="datetimeFigureOut">
               <a:rPr lang="nl-NL" smtClean="0"/>
-              <a:t>6-10-2025</a:t>
+              <a:t>7-10-2025</a:t>
             </a:fld>
             <a:endParaRPr lang="nl-NL"/>
           </a:p>
@@ -1684,7 +1828,7 @@
           <a:p>
             <a:fld id="{E43C3D67-E41A-49CD-A81C-4E2A886E7BC5}" type="datetimeFigureOut">
               <a:rPr lang="nl-NL" smtClean="0"/>
-              <a:t>6-10-2025</a:t>
+              <a:t>7-10-2025</a:t>
             </a:fld>
             <a:endParaRPr lang="nl-NL"/>
           </a:p>
@@ -1882,7 +2026,7 @@
           <a:p>
             <a:fld id="{E43C3D67-E41A-49CD-A81C-4E2A886E7BC5}" type="datetimeFigureOut">
               <a:rPr lang="nl-NL" smtClean="0"/>
-              <a:t>6-10-2025</a:t>
+              <a:t>7-10-2025</a:t>
             </a:fld>
             <a:endParaRPr lang="nl-NL"/>
           </a:p>
@@ -2157,7 +2301,7 @@
           <a:p>
             <a:fld id="{E43C3D67-E41A-49CD-A81C-4E2A886E7BC5}" type="datetimeFigureOut">
               <a:rPr lang="nl-NL" smtClean="0"/>
-              <a:t>6-10-2025</a:t>
+              <a:t>7-10-2025</a:t>
             </a:fld>
             <a:endParaRPr lang="nl-NL"/>
           </a:p>
@@ -2422,7 +2566,7 @@
           <a:p>
             <a:fld id="{E43C3D67-E41A-49CD-A81C-4E2A886E7BC5}" type="datetimeFigureOut">
               <a:rPr lang="nl-NL" smtClean="0"/>
-              <a:t>6-10-2025</a:t>
+              <a:t>7-10-2025</a:t>
             </a:fld>
             <a:endParaRPr lang="nl-NL"/>
           </a:p>
@@ -2834,7 +2978,7 @@
           <a:p>
             <a:fld id="{E43C3D67-E41A-49CD-A81C-4E2A886E7BC5}" type="datetimeFigureOut">
               <a:rPr lang="nl-NL" smtClean="0"/>
-              <a:t>6-10-2025</a:t>
+              <a:t>7-10-2025</a:t>
             </a:fld>
             <a:endParaRPr lang="nl-NL"/>
           </a:p>
@@ -2975,7 +3119,7 @@
           <a:p>
             <a:fld id="{E43C3D67-E41A-49CD-A81C-4E2A886E7BC5}" type="datetimeFigureOut">
               <a:rPr lang="nl-NL" smtClean="0"/>
-              <a:t>6-10-2025</a:t>
+              <a:t>7-10-2025</a:t>
             </a:fld>
             <a:endParaRPr lang="nl-NL"/>
           </a:p>
@@ -3296,7 +3440,7 @@
           <a:p>
             <a:fld id="{E43C3D67-E41A-49CD-A81C-4E2A886E7BC5}" type="datetimeFigureOut">
               <a:rPr lang="nl-NL" smtClean="0"/>
-              <a:t>6-10-2025</a:t>
+              <a:t>7-10-2025</a:t>
             </a:fld>
             <a:endParaRPr lang="nl-NL"/>
           </a:p>
@@ -3607,7 +3751,7 @@
           <a:p>
             <a:fld id="{E43C3D67-E41A-49CD-A81C-4E2A886E7BC5}" type="datetimeFigureOut">
               <a:rPr lang="nl-NL" smtClean="0"/>
-              <a:t>6-10-2025</a:t>
+              <a:t>7-10-2025</a:t>
             </a:fld>
             <a:endParaRPr lang="nl-NL"/>
           </a:p>
@@ -3895,7 +4039,7 @@
           <a:p>
             <a:fld id="{E43C3D67-E41A-49CD-A81C-4E2A886E7BC5}" type="datetimeFigureOut">
               <a:rPr lang="nl-NL" smtClean="0"/>
-              <a:t>6-10-2025</a:t>
+              <a:t>7-10-2025</a:t>
             </a:fld>
             <a:endParaRPr lang="nl-NL"/>
           </a:p>
@@ -4093,7 +4237,7 @@
           <a:p>
             <a:fld id="{E43C3D67-E41A-49CD-A81C-4E2A886E7BC5}" type="datetimeFigureOut">
               <a:rPr lang="nl-NL" smtClean="0"/>
-              <a:t>6-10-2025</a:t>
+              <a:t>7-10-2025</a:t>
             </a:fld>
             <a:endParaRPr lang="nl-NL"/>
           </a:p>
@@ -4301,7 +4445,7 @@
           <a:p>
             <a:fld id="{E43C3D67-E41A-49CD-A81C-4E2A886E7BC5}" type="datetimeFigureOut">
               <a:rPr lang="nl-NL" smtClean="0"/>
-              <a:t>6-10-2025</a:t>
+              <a:t>7-10-2025</a:t>
             </a:fld>
             <a:endParaRPr lang="nl-NL"/>
           </a:p>
@@ -6423,7 +6567,7 @@
           <a:p>
             <a:fld id="{E43C3D67-E41A-49CD-A81C-4E2A886E7BC5}" type="datetimeFigureOut">
               <a:rPr lang="nl-NL" smtClean="0"/>
-              <a:t>6-10-2025</a:t>
+              <a:t>7-10-2025</a:t>
             </a:fld>
             <a:endParaRPr lang="nl-NL"/>
           </a:p>
@@ -6955,6 +7099,59 @@
           <a:chExt cx="0" cy="0"/>
         </a:xfrm>
       </p:grpSpPr>
+      <p:pic>
+        <p:nvPicPr>
+          <p:cNvPr id="138" name="pasted-image.png" descr="pasted-image.png"/>
+          <p:cNvPicPr>
+            <a:picLocks/>
+          </p:cNvPicPr>
+          <p:nvPr/>
+        </p:nvPicPr>
+        <p:blipFill>
+          <a:blip r:embed="rId2"/>
+          <a:stretch>
+            <a:fillRect/>
+          </a:stretch>
+        </p:blipFill>
+        <p:spPr>
+          <a:xfrm>
+            <a:off x="19049" y="355600"/>
+            <a:ext cx="12966701" cy="9042400"/>
+          </a:xfrm>
+          <a:prstGeom prst="rect">
+            <a:avLst/>
+          </a:prstGeom>
+          <a:ln w="12700">
+            <a:miter lim="400000"/>
+          </a:ln>
+        </p:spPr>
+      </p:pic>
+    </p:spTree>
+  </p:cSld>
+  <p:clrMapOvr>
+    <a:masterClrMapping/>
+  </p:clrMapOvr>
+  <p:transition spd="med"/>
+</p:sld>
+</file>
+
+<file path=ppt/slides/slide11.xml><?xml version="1.0" encoding="utf-8"?>
+<p:sld xmlns:a="http://schemas.openxmlformats.org/drawingml/2006/main" xmlns:r="http://schemas.openxmlformats.org/officeDocument/2006/relationships" xmlns:p="http://schemas.openxmlformats.org/presentationml/2006/main">
+  <p:cSld>
+    <p:spTree>
+      <p:nvGrpSpPr>
+        <p:cNvPr id="1" name=""/>
+        <p:cNvGrpSpPr/>
+        <p:nvPr/>
+      </p:nvGrpSpPr>
+      <p:grpSpPr>
+        <a:xfrm>
+          <a:off x="0" y="0"/>
+          <a:ext cx="0" cy="0"/>
+          <a:chOff x="0" y="0"/>
+          <a:chExt cx="0" cy="0"/>
+        </a:xfrm>
+      </p:grpSpPr>
       <p:sp>
         <p:nvSpPr>
           <p:cNvPr id="140" name="Voorkomen van overfitting"/>
@@ -7318,7 +7515,99 @@
 </p:sld>
 </file>
 
-<file path=ppt/slides/slide11.xml><?xml version="1.0" encoding="utf-8"?>
+<file path=ppt/slides/slide12.xml><?xml version="1.0" encoding="utf-8"?>
+<p:sld xmlns:a="http://schemas.openxmlformats.org/drawingml/2006/main" xmlns:r="http://schemas.openxmlformats.org/officeDocument/2006/relationships" xmlns:p="http://schemas.openxmlformats.org/presentationml/2006/main">
+  <p:cSld>
+    <p:spTree>
+      <p:nvGrpSpPr>
+        <p:cNvPr id="1" name=""/>
+        <p:cNvGrpSpPr/>
+        <p:nvPr/>
+      </p:nvGrpSpPr>
+      <p:grpSpPr>
+        <a:xfrm>
+          <a:off x="0" y="0"/>
+          <a:ext cx="0" cy="0"/>
+          <a:chOff x="0" y="0"/>
+          <a:chExt cx="0" cy="0"/>
+        </a:xfrm>
+      </p:grpSpPr>
+      <p:pic>
+        <p:nvPicPr>
+          <p:cNvPr id="154" name="pasted-image.png" descr="pasted-image.png"/>
+          <p:cNvPicPr>
+            <a:picLocks noChangeAspect="1"/>
+          </p:cNvPicPr>
+          <p:nvPr/>
+        </p:nvPicPr>
+        <p:blipFill>
+          <a:blip r:embed="rId3"/>
+          <a:stretch>
+            <a:fillRect/>
+          </a:stretch>
+        </p:blipFill>
+        <p:spPr>
+          <a:xfrm>
+            <a:off x="1782769" y="339061"/>
+            <a:ext cx="9439262" cy="9075478"/>
+          </a:xfrm>
+          <a:prstGeom prst="rect">
+            <a:avLst/>
+          </a:prstGeom>
+          <a:ln w="12700">
+            <a:miter lim="400000"/>
+          </a:ln>
+        </p:spPr>
+      </p:pic>
+      <p:sp>
+        <p:nvSpPr>
+          <p:cNvPr id="155" name="http://scott.fortmann-roe.com/docs/BiasVariance.html"/>
+          <p:cNvSpPr txBox="1"/>
+          <p:nvPr/>
+        </p:nvSpPr>
+        <p:spPr>
+          <a:xfrm>
+            <a:off x="8575633" y="9380070"/>
+            <a:ext cx="4333850" cy="317501"/>
+          </a:xfrm>
+          <a:prstGeom prst="rect">
+            <a:avLst/>
+          </a:prstGeom>
+          <a:ln w="12700">
+            <a:miter lim="400000"/>
+          </a:ln>
+          <a:extLst>
+            <a:ext uri="{C572A759-6A51-4108-AA02-DFA0A04FC94B}">
+              <ma14:wrappingTextBoxFlag xmlns="" xmlns:m="http://schemas.openxmlformats.org/officeDocument/2006/math" xmlns:a14="http://schemas.microsoft.com/office/drawing/2010/main" xmlns:ma14="http://schemas.microsoft.com/office/mac/drawingml/2011/main" val="1"/>
+            </a:ext>
+          </a:extLst>
+        </p:spPr>
+        <p:txBody>
+          <a:bodyPr wrap="none" lIns="50800" tIns="50800" rIns="50800" bIns="50800" anchor="ctr">
+            <a:spAutoFit/>
+          </a:bodyPr>
+          <a:lstStyle>
+            <a:lvl1pPr>
+              <a:defRPr sz="1400"/>
+            </a:lvl1pPr>
+          </a:lstStyle>
+          <a:p>
+            <a:r>
+              <a:t>http://scott.fortmann-roe.com/docs/BiasVariance.html</a:t>
+            </a:r>
+          </a:p>
+        </p:txBody>
+      </p:sp>
+    </p:spTree>
+  </p:cSld>
+  <p:clrMapOvr>
+    <a:masterClrMapping/>
+  </p:clrMapOvr>
+  <p:transition spd="med"/>
+</p:sld>
+</file>
+
+<file path=ppt/slides/slide13.xml><?xml version="1.0" encoding="utf-8"?>
 <p:sld xmlns:a="http://schemas.openxmlformats.org/drawingml/2006/main" xmlns:r="http://schemas.openxmlformats.org/officeDocument/2006/relationships" xmlns:p="http://schemas.openxmlformats.org/presentationml/2006/main">
   <p:cSld>
     <p:spTree>
@@ -7486,99 +7775,7 @@
 </p:sld>
 </file>
 
-<file path=ppt/slides/slide12.xml><?xml version="1.0" encoding="utf-8"?>
-<p:sld xmlns:a="http://schemas.openxmlformats.org/drawingml/2006/main" xmlns:r="http://schemas.openxmlformats.org/officeDocument/2006/relationships" xmlns:p="http://schemas.openxmlformats.org/presentationml/2006/main">
-  <p:cSld>
-    <p:spTree>
-      <p:nvGrpSpPr>
-        <p:cNvPr id="1" name=""/>
-        <p:cNvGrpSpPr/>
-        <p:nvPr/>
-      </p:nvGrpSpPr>
-      <p:grpSpPr>
-        <a:xfrm>
-          <a:off x="0" y="0"/>
-          <a:ext cx="0" cy="0"/>
-          <a:chOff x="0" y="0"/>
-          <a:chExt cx="0" cy="0"/>
-        </a:xfrm>
-      </p:grpSpPr>
-      <p:pic>
-        <p:nvPicPr>
-          <p:cNvPr id="154" name="pasted-image.png" descr="pasted-image.png"/>
-          <p:cNvPicPr>
-            <a:picLocks noChangeAspect="1"/>
-          </p:cNvPicPr>
-          <p:nvPr/>
-        </p:nvPicPr>
-        <p:blipFill>
-          <a:blip r:embed="rId2"/>
-          <a:stretch>
-            <a:fillRect/>
-          </a:stretch>
-        </p:blipFill>
-        <p:spPr>
-          <a:xfrm>
-            <a:off x="1782769" y="339061"/>
-            <a:ext cx="9439262" cy="9075478"/>
-          </a:xfrm>
-          <a:prstGeom prst="rect">
-            <a:avLst/>
-          </a:prstGeom>
-          <a:ln w="12700">
-            <a:miter lim="400000"/>
-          </a:ln>
-        </p:spPr>
-      </p:pic>
-      <p:sp>
-        <p:nvSpPr>
-          <p:cNvPr id="155" name="http://scott.fortmann-roe.com/docs/BiasVariance.html"/>
-          <p:cNvSpPr txBox="1"/>
-          <p:nvPr/>
-        </p:nvSpPr>
-        <p:spPr>
-          <a:xfrm>
-            <a:off x="8575633" y="9380070"/>
-            <a:ext cx="4333850" cy="317501"/>
-          </a:xfrm>
-          <a:prstGeom prst="rect">
-            <a:avLst/>
-          </a:prstGeom>
-          <a:ln w="12700">
-            <a:miter lim="400000"/>
-          </a:ln>
-          <a:extLst>
-            <a:ext uri="{C572A759-6A51-4108-AA02-DFA0A04FC94B}">
-              <ma14:wrappingTextBoxFlag xmlns="" xmlns:m="http://schemas.openxmlformats.org/officeDocument/2006/math" xmlns:a14="http://schemas.microsoft.com/office/drawing/2010/main" xmlns:ma14="http://schemas.microsoft.com/office/mac/drawingml/2011/main" val="1"/>
-            </a:ext>
-          </a:extLst>
-        </p:spPr>
-        <p:txBody>
-          <a:bodyPr wrap="none" lIns="50800" tIns="50800" rIns="50800" bIns="50800" anchor="ctr">
-            <a:spAutoFit/>
-          </a:bodyPr>
-          <a:lstStyle>
-            <a:lvl1pPr>
-              <a:defRPr sz="1400"/>
-            </a:lvl1pPr>
-          </a:lstStyle>
-          <a:p>
-            <a:r>
-              <a:t>http://scott.fortmann-roe.com/docs/BiasVariance.html</a:t>
-            </a:r>
-          </a:p>
-        </p:txBody>
-      </p:sp>
-    </p:spTree>
-  </p:cSld>
-  <p:clrMapOvr>
-    <a:masterClrMapping/>
-  </p:clrMapOvr>
-  <p:transition spd="med"/>
-</p:sld>
-</file>
-
-<file path=ppt/slides/slide13.xml><?xml version="1.0" encoding="utf-8"?>
+<file path=ppt/slides/slide14.xml><?xml version="1.0" encoding="utf-8"?>
 <p:sld xmlns:a="http://schemas.openxmlformats.org/drawingml/2006/main" xmlns:r="http://schemas.openxmlformats.org/officeDocument/2006/relationships" xmlns:p="http://schemas.openxmlformats.org/presentationml/2006/main">
   <p:cSld>
     <p:spTree>
@@ -7660,7 +7857,7 @@
 </p:sld>
 </file>
 
-<file path=ppt/slides/slide14.xml><?xml version="1.0" encoding="utf-8"?>
+<file path=ppt/slides/slide15.xml><?xml version="1.0" encoding="utf-8"?>
 <p:sld xmlns:a="http://schemas.openxmlformats.org/drawingml/2006/main" xmlns:r="http://schemas.openxmlformats.org/officeDocument/2006/relationships" xmlns:p="http://schemas.openxmlformats.org/presentationml/2006/main">
   <p:cSld>
     <p:spTree>
@@ -7713,7 +7910,7 @@
 </p:sld>
 </file>
 
-<file path=ppt/slides/slide15.xml><?xml version="1.0" encoding="utf-8"?>
+<file path=ppt/slides/slide16.xml><?xml version="1.0" encoding="utf-8"?>
 <p:sld xmlns:a="http://schemas.openxmlformats.org/drawingml/2006/main" xmlns:r="http://schemas.openxmlformats.org/officeDocument/2006/relationships" xmlns:p="http://schemas.openxmlformats.org/presentationml/2006/main">
   <p:cSld>
     <p:spTree>
@@ -7830,7 +8027,7 @@
 </p:sld>
 </file>
 
-<file path=ppt/slides/slide16.xml><?xml version="1.0" encoding="utf-8"?>
+<file path=ppt/slides/slide17.xml><?xml version="1.0" encoding="utf-8"?>
 <p:sld xmlns:a="http://schemas.openxmlformats.org/drawingml/2006/main" xmlns:r="http://schemas.openxmlformats.org/officeDocument/2006/relationships" xmlns:p="http://schemas.openxmlformats.org/presentationml/2006/main">
   <p:cSld>
     <p:spTree>
@@ -8279,7 +8476,7 @@
 </p:sld>
 </file>
 
-<file path=ppt/slides/slide17.xml><?xml version="1.0" encoding="utf-8"?>
+<file path=ppt/slides/slide18.xml><?xml version="1.0" encoding="utf-8"?>
 <p:sld xmlns:a="http://schemas.openxmlformats.org/drawingml/2006/main" xmlns:r="http://schemas.openxmlformats.org/officeDocument/2006/relationships" xmlns:p="http://schemas.openxmlformats.org/presentationml/2006/main">
   <p:cSld>
     <p:spTree>
@@ -8332,7 +8529,7 @@
 </p:sld>
 </file>
 
-<file path=ppt/slides/slide18.xml><?xml version="1.0" encoding="utf-8"?>
+<file path=ppt/slides/slide19.xml><?xml version="1.0" encoding="utf-8"?>
 <p:sld xmlns:a="http://schemas.openxmlformats.org/drawingml/2006/main" xmlns:r="http://schemas.openxmlformats.org/officeDocument/2006/relationships" xmlns:p="http://schemas.openxmlformats.org/presentationml/2006/main" show="0">
   <p:cSld>
     <p:spTree>
@@ -8385,7 +8582,335 @@
 </p:sld>
 </file>
 
-<file path=ppt/slides/slide19.xml><?xml version="1.0" encoding="utf-8"?>
+<file path=ppt/slides/slide2.xml><?xml version="1.0" encoding="utf-8"?>
+<p:sld xmlns:a="http://schemas.openxmlformats.org/drawingml/2006/main" xmlns:r="http://schemas.openxmlformats.org/officeDocument/2006/relationships" xmlns:p="http://schemas.openxmlformats.org/presentationml/2006/main">
+  <p:cSld>
+    <p:spTree>
+      <p:nvGrpSpPr>
+        <p:cNvPr id="1" name=""/>
+        <p:cNvGrpSpPr/>
+        <p:nvPr/>
+      </p:nvGrpSpPr>
+      <p:grpSpPr>
+        <a:xfrm>
+          <a:off x="0" y="0"/>
+          <a:ext cx="0" cy="0"/>
+          <a:chOff x="0" y="0"/>
+          <a:chExt cx="0" cy="0"/>
+        </a:xfrm>
+      </p:grpSpPr>
+      <p:sp>
+        <p:nvSpPr>
+          <p:cNvPr id="2" name="Titel 1">
+            <a:extLst>
+              <a:ext uri="{FF2B5EF4-FFF2-40B4-BE49-F238E27FC236}">
+                <a16:creationId xmlns:a16="http://schemas.microsoft.com/office/drawing/2014/main" id="{7D92945B-9D13-C8E3-4C94-5D0E4ED4C0E7}"/>
+              </a:ext>
+            </a:extLst>
+          </p:cNvPr>
+          <p:cNvSpPr>
+            <a:spLocks noGrp="1"/>
+          </p:cNvSpPr>
+          <p:nvPr>
+            <p:ph type="title"/>
+          </p:nvPr>
+        </p:nvSpPr>
+        <p:spPr>
+          <a:xfrm>
+            <a:off x="952500" y="142875"/>
+            <a:ext cx="11099800" cy="989012"/>
+          </a:xfrm>
+        </p:spPr>
+        <p:txBody>
+          <a:bodyPr>
+            <a:normAutofit fontScale="90000"/>
+          </a:bodyPr>
+          <a:lstStyle/>
+          <a:p>
+            <a:r>
+              <a:rPr lang="nl-NL"/>
+              <a:t>ML Actueel</a:t>
+            </a:r>
+          </a:p>
+        </p:txBody>
+      </p:sp>
+      <p:pic>
+        <p:nvPicPr>
+          <p:cNvPr id="4" name="Afbeelding 3">
+            <a:extLst>
+              <a:ext uri="{FF2B5EF4-FFF2-40B4-BE49-F238E27FC236}">
+                <a16:creationId xmlns:a16="http://schemas.microsoft.com/office/drawing/2014/main" id="{7F3347D8-EC9E-5583-D926-0BCD64B1AB20}"/>
+              </a:ext>
+            </a:extLst>
+          </p:cNvPr>
+          <p:cNvPicPr>
+            <a:picLocks noChangeAspect="1"/>
+          </p:cNvPicPr>
+          <p:nvPr/>
+        </p:nvPicPr>
+        <p:blipFill>
+          <a:blip r:embed="rId2"/>
+          <a:stretch>
+            <a:fillRect/>
+          </a:stretch>
+        </p:blipFill>
+        <p:spPr>
+          <a:xfrm>
+            <a:off x="277255" y="2156879"/>
+            <a:ext cx="6225145" cy="1690985"/>
+          </a:xfrm>
+          <a:prstGeom prst="rect">
+            <a:avLst/>
+          </a:prstGeom>
+        </p:spPr>
+      </p:pic>
+      <p:pic>
+        <p:nvPicPr>
+          <p:cNvPr id="6" name="Afbeelding 5">
+            <a:extLst>
+              <a:ext uri="{FF2B5EF4-FFF2-40B4-BE49-F238E27FC236}">
+                <a16:creationId xmlns:a16="http://schemas.microsoft.com/office/drawing/2014/main" id="{A2A850BD-6CC1-5484-F6B7-6E5F1F361D54}"/>
+              </a:ext>
+            </a:extLst>
+          </p:cNvPr>
+          <p:cNvPicPr>
+            <a:picLocks noChangeAspect="1"/>
+          </p:cNvPicPr>
+          <p:nvPr/>
+        </p:nvPicPr>
+        <p:blipFill>
+          <a:blip r:embed="rId3"/>
+          <a:stretch>
+            <a:fillRect/>
+          </a:stretch>
+        </p:blipFill>
+        <p:spPr>
+          <a:xfrm>
+            <a:off x="277255" y="1671036"/>
+            <a:ext cx="2019582" cy="485843"/>
+          </a:xfrm>
+          <a:prstGeom prst="rect">
+            <a:avLst/>
+          </a:prstGeom>
+        </p:spPr>
+      </p:pic>
+      <p:pic>
+        <p:nvPicPr>
+          <p:cNvPr id="8" name="Afbeelding 7">
+            <a:extLst>
+              <a:ext uri="{FF2B5EF4-FFF2-40B4-BE49-F238E27FC236}">
+                <a16:creationId xmlns:a16="http://schemas.microsoft.com/office/drawing/2014/main" id="{26EE2579-138A-B170-A250-FC8F858CC51C}"/>
+              </a:ext>
+            </a:extLst>
+          </p:cNvPr>
+          <p:cNvPicPr>
+            <a:picLocks noChangeAspect="1"/>
+          </p:cNvPicPr>
+          <p:nvPr/>
+        </p:nvPicPr>
+        <p:blipFill>
+          <a:blip r:embed="rId4"/>
+          <a:stretch>
+            <a:fillRect/>
+          </a:stretch>
+        </p:blipFill>
+        <p:spPr>
+          <a:xfrm>
+            <a:off x="6502400" y="1580739"/>
+            <a:ext cx="6357664" cy="4198029"/>
+          </a:xfrm>
+          <a:prstGeom prst="rect">
+            <a:avLst/>
+          </a:prstGeom>
+        </p:spPr>
+      </p:pic>
+      <p:sp>
+        <p:nvSpPr>
+          <p:cNvPr id="9" name="Rechthoek 8">
+            <a:extLst>
+              <a:ext uri="{FF2B5EF4-FFF2-40B4-BE49-F238E27FC236}">
+                <a16:creationId xmlns:a16="http://schemas.microsoft.com/office/drawing/2014/main" id="{903A0E04-F99F-A724-5963-1715D95DC0DE}"/>
+              </a:ext>
+            </a:extLst>
+          </p:cNvPr>
+          <p:cNvSpPr/>
+          <p:nvPr/>
+        </p:nvSpPr>
+        <p:spPr>
+          <a:xfrm>
+            <a:off x="6457125" y="4084675"/>
+            <a:ext cx="6402939" cy="792961"/>
+          </a:xfrm>
+          <a:prstGeom prst="rect">
+            <a:avLst/>
+          </a:prstGeom>
+          <a:solidFill>
+            <a:srgbClr val="FFFF00">
+              <a:alpha val="32000"/>
+            </a:srgbClr>
+          </a:solidFill>
+          <a:ln w="12700" cap="flat">
+            <a:noFill/>
+            <a:miter lim="400000"/>
+          </a:ln>
+          <a:effectLst>
+            <a:outerShdw blurRad="38100" dist="25400" dir="5400000" rotWithShape="0">
+              <a:srgbClr val="000000">
+                <a:alpha val="50000"/>
+              </a:srgbClr>
+            </a:outerShdw>
+          </a:effectLst>
+          <a:sp3d/>
+        </p:spPr>
+        <p:style>
+          <a:lnRef idx="0">
+            <a:scrgbClr r="0" g="0" b="0"/>
+          </a:lnRef>
+          <a:fillRef idx="0">
+            <a:scrgbClr r="0" g="0" b="0"/>
+          </a:fillRef>
+          <a:effectRef idx="0">
+            <a:scrgbClr r="0" g="0" b="0"/>
+          </a:effectRef>
+          <a:fontRef idx="none"/>
+        </p:style>
+        <p:txBody>
+          <a:bodyPr rot="0" spcFirstLastPara="1" vertOverflow="overflow" horzOverflow="overflow" vert="horz" wrap="square" lIns="50800" tIns="50800" rIns="50800" bIns="50800" numCol="1" spcCol="38100" rtlCol="0" anchor="ctr">
+            <a:spAutoFit/>
+          </a:bodyPr>
+          <a:lstStyle/>
+          <a:p>
+            <a:pPr marL="0" marR="0" indent="0" algn="ctr" defTabSz="584200" rtl="0" fontAlgn="auto" latinLnBrk="0" hangingPunct="0">
+              <a:lnSpc>
+                <a:spcPct val="100000"/>
+              </a:lnSpc>
+              <a:spcBef>
+                <a:spcPts val="0"/>
+              </a:spcBef>
+              <a:spcAft>
+                <a:spcPts val="0"/>
+              </a:spcAft>
+              <a:buClrTx/>
+              <a:buSzTx/>
+              <a:buFontTx/>
+              <a:buNone/>
+              <a:tabLst/>
+            </a:pPr>
+            <a:endParaRPr kumimoji="0" lang="nl-NL" sz="2400" b="0" i="0" u="none" strike="noStrike" cap="none" spc="0" normalizeH="0" baseline="0">
+              <a:ln>
+                <a:noFill/>
+              </a:ln>
+              <a:solidFill>
+                <a:srgbClr val="FFFFFF"/>
+              </a:solidFill>
+              <a:effectLst/>
+              <a:uFillTx/>
+              <a:latin typeface="+mn-lt"/>
+              <a:ea typeface="+mn-ea"/>
+              <a:cs typeface="+mn-cs"/>
+              <a:sym typeface="Helvetica Light"/>
+            </a:endParaRPr>
+          </a:p>
+        </p:txBody>
+      </p:sp>
+      <p:pic>
+        <p:nvPicPr>
+          <p:cNvPr id="11" name="Afbeelding 10">
+            <a:extLst>
+              <a:ext uri="{FF2B5EF4-FFF2-40B4-BE49-F238E27FC236}">
+                <a16:creationId xmlns:a16="http://schemas.microsoft.com/office/drawing/2014/main" id="{97BFF6A9-5F5E-A492-D5C3-C8E2EB0E9D96}"/>
+              </a:ext>
+            </a:extLst>
+          </p:cNvPr>
+          <p:cNvPicPr>
+            <a:picLocks noChangeAspect="1"/>
+          </p:cNvPicPr>
+          <p:nvPr/>
+        </p:nvPicPr>
+        <p:blipFill>
+          <a:blip r:embed="rId5"/>
+          <a:stretch>
+            <a:fillRect/>
+          </a:stretch>
+        </p:blipFill>
+        <p:spPr>
+          <a:xfrm>
+            <a:off x="277255" y="6317917"/>
+            <a:ext cx="7994103" cy="3292808"/>
+          </a:xfrm>
+          <a:prstGeom prst="rect">
+            <a:avLst/>
+          </a:prstGeom>
+        </p:spPr>
+      </p:pic>
+      <p:sp>
+        <p:nvSpPr>
+          <p:cNvPr id="13" name="Tekstvak 12">
+            <a:extLst>
+              <a:ext uri="{FF2B5EF4-FFF2-40B4-BE49-F238E27FC236}">
+                <a16:creationId xmlns:a16="http://schemas.microsoft.com/office/drawing/2014/main" id="{BB8D1ACF-C9C1-1D4F-A2AE-ED726C24A3DE}"/>
+              </a:ext>
+            </a:extLst>
+          </p:cNvPr>
+          <p:cNvSpPr txBox="1"/>
+          <p:nvPr/>
+        </p:nvSpPr>
+        <p:spPr>
+          <a:xfrm>
+            <a:off x="3514725" y="9234788"/>
+            <a:ext cx="9212819" cy="276999"/>
+          </a:xfrm>
+          <a:prstGeom prst="rect">
+            <a:avLst/>
+          </a:prstGeom>
+          <a:noFill/>
+          <a:ln w="12700" cap="flat">
+            <a:noFill/>
+            <a:miter lim="400000"/>
+          </a:ln>
+          <a:effectLst/>
+          <a:sp3d/>
+        </p:spPr>
+        <p:style>
+          <a:lnRef idx="0">
+            <a:scrgbClr r="0" g="0" b="0"/>
+          </a:lnRef>
+          <a:fillRef idx="0">
+            <a:scrgbClr r="0" g="0" b="0"/>
+          </a:fillRef>
+          <a:effectRef idx="0">
+            <a:scrgbClr r="0" g="0" b="0"/>
+          </a:effectRef>
+          <a:fontRef idx="none"/>
+        </p:style>
+        <p:txBody>
+          <a:bodyPr wrap="square">
+            <a:spAutoFit/>
+          </a:bodyPr>
+          <a:lstStyle/>
+          <a:p>
+            <a:r>
+              <a:rPr lang="nl-NL" sz="1200" i="1"/>
+              <a:t>https://www.nrc.nl/nieuws/2025/10/06/weer-een-mega-chipdeal-openai-koopt-voor-tientallen-miljarden-aan-amd-chips-a4908613</a:t>
+            </a:r>
+          </a:p>
+        </p:txBody>
+      </p:sp>
+    </p:spTree>
+    <p:extLst>
+      <p:ext uri="{BB962C8B-B14F-4D97-AF65-F5344CB8AC3E}">
+        <p14:creationId xmlns:p14="http://schemas.microsoft.com/office/powerpoint/2010/main" val="696045816"/>
+      </p:ext>
+    </p:extLst>
+  </p:cSld>
+  <p:clrMapOvr>
+    <a:masterClrMapping/>
+  </p:clrMapOvr>
+  <p:transition spd="med"/>
+</p:sld>
+</file>
+
+<file path=ppt/slides/slide20.xml><?xml version="1.0" encoding="utf-8"?>
 <p:sld xmlns:a="http://schemas.openxmlformats.org/drawingml/2006/main" xmlns:r="http://schemas.openxmlformats.org/officeDocument/2006/relationships" xmlns:p="http://schemas.openxmlformats.org/presentationml/2006/main">
   <p:cSld>
     <p:spTree>
@@ -8455,77 +8980,7 @@
 </p:sld>
 </file>
 
-<file path=ppt/slides/slide2.xml><?xml version="1.0" encoding="utf-8"?>
-<p:sld xmlns:a="http://schemas.openxmlformats.org/drawingml/2006/main" xmlns:r="http://schemas.openxmlformats.org/officeDocument/2006/relationships" xmlns:p="http://schemas.openxmlformats.org/presentationml/2006/main">
-  <p:cSld>
-    <p:spTree>
-      <p:nvGrpSpPr>
-        <p:cNvPr id="1" name=""/>
-        <p:cNvGrpSpPr/>
-        <p:nvPr/>
-      </p:nvGrpSpPr>
-      <p:grpSpPr>
-        <a:xfrm>
-          <a:off x="0" y="0"/>
-          <a:ext cx="0" cy="0"/>
-          <a:chOff x="0" y="0"/>
-          <a:chExt cx="0" cy="0"/>
-        </a:xfrm>
-      </p:grpSpPr>
-      <p:sp>
-        <p:nvSpPr>
-          <p:cNvPr id="122" name="ml:polynomial"/>
-          <p:cNvSpPr txBox="1"/>
-          <p:nvPr/>
-        </p:nvSpPr>
-        <p:spPr>
-          <a:xfrm>
-            <a:off x="2866900" y="4292599"/>
-            <a:ext cx="7270999" cy="1168401"/>
-          </a:xfrm>
-          <a:prstGeom prst="rect">
-            <a:avLst/>
-          </a:prstGeom>
-          <a:ln w="12700">
-            <a:miter lim="400000"/>
-          </a:ln>
-          <a:extLst>
-            <a:ext uri="{C572A759-6A51-4108-AA02-DFA0A04FC94B}">
-              <ma14:wrappingTextBoxFlag xmlns="" xmlns:m="http://schemas.openxmlformats.org/officeDocument/2006/math" xmlns:a14="http://schemas.microsoft.com/office/drawing/2010/main" xmlns:ma14="http://schemas.microsoft.com/office/mac/drawingml/2011/main" val="1"/>
-            </a:ext>
-          </a:extLst>
-        </p:spPr>
-        <p:txBody>
-          <a:bodyPr wrap="none" lIns="50800" tIns="50800" rIns="50800" bIns="50800" anchor="ctr">
-            <a:spAutoFit/>
-          </a:bodyPr>
-          <a:lstStyle>
-            <a:lvl1pPr>
-              <a:defRPr sz="7200">
-                <a:latin typeface="Menlo Regular"/>
-                <a:ea typeface="Menlo Regular"/>
-                <a:cs typeface="Menlo Regular"/>
-                <a:sym typeface="Menlo Regular"/>
-              </a:defRPr>
-            </a:lvl1pPr>
-          </a:lstStyle>
-          <a:p>
-            <a:r>
-              <a:t>ml:polynomial</a:t>
-            </a:r>
-          </a:p>
-        </p:txBody>
-      </p:sp>
-    </p:spTree>
-  </p:cSld>
-  <p:clrMapOvr>
-    <a:masterClrMapping/>
-  </p:clrMapOvr>
-  <p:transition spd="med"/>
-</p:sld>
-</file>
-
-<file path=ppt/slides/slide20.xml><?xml version="1.0" encoding="utf-8"?>
+<file path=ppt/slides/slide21.xml><?xml version="1.0" encoding="utf-8"?>
 <p:sld xmlns:a="http://schemas.openxmlformats.org/drawingml/2006/main" xmlns:r="http://schemas.openxmlformats.org/officeDocument/2006/relationships" xmlns:p="http://schemas.openxmlformats.org/presentationml/2006/main">
   <p:cSld>
     <p:spTree>
@@ -9201,7 +9656,7 @@
 </p:sld>
 </file>
 
-<file path=ppt/slides/slide21.xml><?xml version="1.0" encoding="utf-8"?>
+<file path=ppt/slides/slide22.xml><?xml version="1.0" encoding="utf-8"?>
 <p:sld xmlns:a="http://schemas.openxmlformats.org/drawingml/2006/main" xmlns:r="http://schemas.openxmlformats.org/officeDocument/2006/relationships" xmlns:p="http://schemas.openxmlformats.org/presentationml/2006/main">
   <p:cSld>
     <p:spTree>
@@ -9939,7 +10394,7 @@
 </p:sld>
 </file>
 
-<file path=ppt/slides/slide22.xml><?xml version="1.0" encoding="utf-8"?>
+<file path=ppt/slides/slide23.xml><?xml version="1.0" encoding="utf-8"?>
 <p:sld xmlns:a="http://schemas.openxmlformats.org/drawingml/2006/main" xmlns:r="http://schemas.openxmlformats.org/officeDocument/2006/relationships" xmlns:p="http://schemas.openxmlformats.org/presentationml/2006/main">
   <p:cSld>
     <p:spTree>
@@ -15149,7 +15604,7 @@
 </p:sld>
 </file>
 
-<file path=ppt/slides/slide23.xml><?xml version="1.0" encoding="utf-8"?>
+<file path=ppt/slides/slide24.xml><?xml version="1.0" encoding="utf-8"?>
 <p:sld xmlns:a="http://schemas.openxmlformats.org/drawingml/2006/main" xmlns:r="http://schemas.openxmlformats.org/officeDocument/2006/relationships" xmlns:p="http://schemas.openxmlformats.org/presentationml/2006/main">
   <p:cSld>
     <p:spTree>
@@ -15474,7 +15929,7 @@
 </p:sld>
 </file>
 
-<file path=ppt/slides/slide24.xml><?xml version="1.0" encoding="utf-8"?>
+<file path=ppt/slides/slide25.xml><?xml version="1.0" encoding="utf-8"?>
 <p:sld xmlns:a="http://schemas.openxmlformats.org/drawingml/2006/main" xmlns:r="http://schemas.openxmlformats.org/officeDocument/2006/relationships" xmlns:p="http://schemas.openxmlformats.org/presentationml/2006/main">
   <p:cSld>
     <p:spTree>
@@ -15608,7 +16063,7 @@
 </p:sld>
 </file>
 
-<file path=ppt/slides/slide25.xml><?xml version="1.0" encoding="utf-8"?>
+<file path=ppt/slides/slide26.xml><?xml version="1.0" encoding="utf-8"?>
 <p:sld xmlns:a="http://schemas.openxmlformats.org/drawingml/2006/main" xmlns:r="http://schemas.openxmlformats.org/officeDocument/2006/relationships" xmlns:p="http://schemas.openxmlformats.org/presentationml/2006/main">
   <p:cSld>
     <p:spTree>
@@ -15629,7 +16084,13 @@
         <p:nvGraphicFramePr>
           <p:cNvPr id="270" name="Tabel 1"/>
           <p:cNvGraphicFramePr/>
-          <p:nvPr/>
+          <p:nvPr>
+            <p:extLst>
+              <p:ext uri="{D42A27DB-BD31-4B8C-83A1-F6EECF244321}">
+                <p14:modId xmlns:p14="http://schemas.microsoft.com/office/powerpoint/2010/main" val="2158651066"/>
+              </p:ext>
+            </p:extLst>
+          </p:nvPr>
         </p:nvGraphicFramePr>
         <p:xfrm>
           <a:off x="1270000" y="5660978"/>
@@ -15876,6 +16337,10 @@
                       <a:pPr defTabSz="914400">
                         <a:defRPr sz="2600"/>
                       </a:pPr>
+                      <a:r>
+                        <a:rPr lang="nl-NL"/>
+                        <a:t>0,44</a:t>
+                      </a:r>
                       <a:endParaRPr/>
                     </a:p>
                   </a:txBody>
@@ -15952,7 +16417,11 @@
                       <a:pPr defTabSz="914400">
                         <a:defRPr sz="2600"/>
                       </a:pPr>
-                      <a:endParaRPr/>
+                      <a:r>
+                        <a:rPr lang="nl-NL" b="1"/>
+                        <a:t>0,175</a:t>
+                      </a:r>
+                      <a:endParaRPr b="1"/>
                     </a:p>
                   </a:txBody>
                   <a:tcPr marL="50800" marR="50800" marT="50800" marB="50800" anchor="ctr" horzOverflow="overflow">
@@ -16048,7 +16517,11 @@
                       <a:pPr defTabSz="914400">
                         <a:defRPr sz="2600"/>
                       </a:pPr>
-                      <a:endParaRPr/>
+                      <a:r>
+                        <a:rPr lang="nl-NL" b="1"/>
+                        <a:t>0,039</a:t>
+                      </a:r>
+                      <a:endParaRPr b="1"/>
                     </a:p>
                   </a:txBody>
                   <a:tcPr marL="50800" marR="50800" marT="50800" marB="50800" anchor="ctr" horzOverflow="overflow">
@@ -16285,7 +16758,7 @@
 </p:sld>
 </file>
 
-<file path=ppt/slides/slide26.xml><?xml version="1.0" encoding="utf-8"?>
+<file path=ppt/slides/slide27.xml><?xml version="1.0" encoding="utf-8"?>
 <p:sld xmlns:a="http://schemas.openxmlformats.org/drawingml/2006/main" xmlns:r="http://schemas.openxmlformats.org/officeDocument/2006/relationships" xmlns:p="http://schemas.openxmlformats.org/presentationml/2006/main">
   <p:cSld>
     <p:spTree>
@@ -16560,7 +17033,7 @@
 </p:sld>
 </file>
 
-<file path=ppt/slides/slide27.xml><?xml version="1.0" encoding="utf-8"?>
+<file path=ppt/slides/slide28.xml><?xml version="1.0" encoding="utf-8"?>
 <p:sld xmlns:a="http://schemas.openxmlformats.org/drawingml/2006/main" xmlns:r="http://schemas.openxmlformats.org/officeDocument/2006/relationships" xmlns:p="http://schemas.openxmlformats.org/presentationml/2006/main">
   <p:cSld>
     <p:spTree>
@@ -16613,7 +17086,7 @@
 </p:sld>
 </file>
 
-<file path=ppt/slides/slide28.xml><?xml version="1.0" encoding="utf-8"?>
+<file path=ppt/slides/slide29.xml><?xml version="1.0" encoding="utf-8"?>
 <p:sld xmlns:a="http://schemas.openxmlformats.org/drawingml/2006/main" xmlns:r="http://schemas.openxmlformats.org/officeDocument/2006/relationships" xmlns:p="http://schemas.openxmlformats.org/presentationml/2006/main">
   <p:cSld>
     <p:spTree>
@@ -16813,7 +17286,77 @@
 </p:sld>
 </file>
 
-<file path=ppt/slides/slide29.xml><?xml version="1.0" encoding="utf-8"?>
+<file path=ppt/slides/slide3.xml><?xml version="1.0" encoding="utf-8"?>
+<p:sld xmlns:a="http://schemas.openxmlformats.org/drawingml/2006/main" xmlns:r="http://schemas.openxmlformats.org/officeDocument/2006/relationships" xmlns:p="http://schemas.openxmlformats.org/presentationml/2006/main">
+  <p:cSld>
+    <p:spTree>
+      <p:nvGrpSpPr>
+        <p:cNvPr id="1" name=""/>
+        <p:cNvGrpSpPr/>
+        <p:nvPr/>
+      </p:nvGrpSpPr>
+      <p:grpSpPr>
+        <a:xfrm>
+          <a:off x="0" y="0"/>
+          <a:ext cx="0" cy="0"/>
+          <a:chOff x="0" y="0"/>
+          <a:chExt cx="0" cy="0"/>
+        </a:xfrm>
+      </p:grpSpPr>
+      <p:sp>
+        <p:nvSpPr>
+          <p:cNvPr id="122" name="ml:polynomial"/>
+          <p:cNvSpPr txBox="1"/>
+          <p:nvPr/>
+        </p:nvSpPr>
+        <p:spPr>
+          <a:xfrm>
+            <a:off x="2866900" y="4292599"/>
+            <a:ext cx="7270999" cy="1168401"/>
+          </a:xfrm>
+          <a:prstGeom prst="rect">
+            <a:avLst/>
+          </a:prstGeom>
+          <a:ln w="12700">
+            <a:miter lim="400000"/>
+          </a:ln>
+          <a:extLst>
+            <a:ext uri="{C572A759-6A51-4108-AA02-DFA0A04FC94B}">
+              <ma14:wrappingTextBoxFlag xmlns="" xmlns:m="http://schemas.openxmlformats.org/officeDocument/2006/math" xmlns:a14="http://schemas.microsoft.com/office/drawing/2010/main" xmlns:ma14="http://schemas.microsoft.com/office/mac/drawingml/2011/main" val="1"/>
+            </a:ext>
+          </a:extLst>
+        </p:spPr>
+        <p:txBody>
+          <a:bodyPr wrap="none" lIns="50800" tIns="50800" rIns="50800" bIns="50800" anchor="ctr">
+            <a:spAutoFit/>
+          </a:bodyPr>
+          <a:lstStyle>
+            <a:lvl1pPr>
+              <a:defRPr sz="7200">
+                <a:latin typeface="Menlo Regular"/>
+                <a:ea typeface="Menlo Regular"/>
+                <a:cs typeface="Menlo Regular"/>
+                <a:sym typeface="Menlo Regular"/>
+              </a:defRPr>
+            </a:lvl1pPr>
+          </a:lstStyle>
+          <a:p>
+            <a:r>
+              <a:t>ml:polynomial</a:t>
+            </a:r>
+          </a:p>
+        </p:txBody>
+      </p:sp>
+    </p:spTree>
+  </p:cSld>
+  <p:clrMapOvr>
+    <a:masterClrMapping/>
+  </p:clrMapOvr>
+  <p:transition spd="med"/>
+</p:sld>
+</file>
+
+<file path=ppt/slides/slide30.xml><?xml version="1.0" encoding="utf-8"?>
 <p:sld xmlns:a="http://schemas.openxmlformats.org/drawingml/2006/main" xmlns:r="http://schemas.openxmlformats.org/officeDocument/2006/relationships" xmlns:p="http://schemas.openxmlformats.org/presentationml/2006/main">
   <p:cSld>
     <p:spTree>
@@ -16839,7 +17382,7 @@
           <p:nvPr/>
         </p:nvPicPr>
         <p:blipFill>
-          <a:blip r:embed="rId2"/>
+          <a:blip r:embed="rId3"/>
           <a:stretch>
             <a:fillRect/>
           </a:stretch>
@@ -16951,60 +17494,7 @@
 </p:sld>
 </file>
 
-<file path=ppt/slides/slide3.xml><?xml version="1.0" encoding="utf-8"?>
-<p:sld xmlns:a="http://schemas.openxmlformats.org/drawingml/2006/main" xmlns:r="http://schemas.openxmlformats.org/officeDocument/2006/relationships" xmlns:p="http://schemas.openxmlformats.org/presentationml/2006/main">
-  <p:cSld>
-    <p:spTree>
-      <p:nvGrpSpPr>
-        <p:cNvPr id="1" name=""/>
-        <p:cNvGrpSpPr/>
-        <p:nvPr/>
-      </p:nvGrpSpPr>
-      <p:grpSpPr>
-        <a:xfrm>
-          <a:off x="0" y="0"/>
-          <a:ext cx="0" cy="0"/>
-          <a:chOff x="0" y="0"/>
-          <a:chExt cx="0" cy="0"/>
-        </a:xfrm>
-      </p:grpSpPr>
-      <p:pic>
-        <p:nvPicPr>
-          <p:cNvPr id="124" name="pasted-image.png" descr="pasted-image.png"/>
-          <p:cNvPicPr>
-            <a:picLocks noChangeAspect="1"/>
-          </p:cNvPicPr>
-          <p:nvPr/>
-        </p:nvPicPr>
-        <p:blipFill>
-          <a:blip r:embed="rId2"/>
-          <a:stretch>
-            <a:fillRect/>
-          </a:stretch>
-        </p:blipFill>
-        <p:spPr>
-          <a:xfrm>
-            <a:off x="1295536" y="308815"/>
-            <a:ext cx="10413728" cy="9135970"/>
-          </a:xfrm>
-          <a:prstGeom prst="rect">
-            <a:avLst/>
-          </a:prstGeom>
-          <a:ln w="12700">
-            <a:miter lim="400000"/>
-          </a:ln>
-        </p:spPr>
-      </p:pic>
-    </p:spTree>
-  </p:cSld>
-  <p:clrMapOvr>
-    <a:masterClrMapping/>
-  </p:clrMapOvr>
-  <p:transition spd="med"/>
-</p:sld>
-</file>
-
-<file path=ppt/slides/slide30.xml><?xml version="1.0" encoding="utf-8"?>
+<file path=ppt/slides/slide31.xml><?xml version="1.0" encoding="utf-8"?>
 <p:sld xmlns:a="http://schemas.openxmlformats.org/drawingml/2006/main" xmlns:r="http://schemas.openxmlformats.org/officeDocument/2006/relationships" xmlns:p="http://schemas.openxmlformats.org/presentationml/2006/main">
   <p:cSld>
     <p:spTree>
@@ -17145,7 +17635,7 @@
 </p:sld>
 </file>
 
-<file path=ppt/slides/slide31.xml><?xml version="1.0" encoding="utf-8"?>
+<file path=ppt/slides/slide32.xml><?xml version="1.0" encoding="utf-8"?>
 <p:sld xmlns:a="http://schemas.openxmlformats.org/drawingml/2006/main" xmlns:r="http://schemas.openxmlformats.org/officeDocument/2006/relationships" xmlns:p="http://schemas.openxmlformats.org/presentationml/2006/main">
   <p:cSld>
     <p:spTree>
@@ -17225,7 +17715,7 @@
 </p:sld>
 </file>
 
-<file path=ppt/slides/slide32.xml><?xml version="1.0" encoding="utf-8"?>
+<file path=ppt/slides/slide33.xml><?xml version="1.0" encoding="utf-8"?>
 <p:sld xmlns:a="http://schemas.openxmlformats.org/drawingml/2006/main" xmlns:r="http://schemas.openxmlformats.org/officeDocument/2006/relationships" xmlns:p="http://schemas.openxmlformats.org/presentationml/2006/main">
   <p:cSld>
     <p:spTree>
@@ -17721,7 +18211,7 @@
 </p:sld>
 </file>
 
-<file path=ppt/slides/slide33.xml><?xml version="1.0" encoding="utf-8"?>
+<file path=ppt/slides/slide34.xml><?xml version="1.0" encoding="utf-8"?>
 <p:sld xmlns:a="http://schemas.openxmlformats.org/drawingml/2006/main" xmlns:r="http://schemas.openxmlformats.org/officeDocument/2006/relationships" xmlns:p="http://schemas.openxmlformats.org/presentationml/2006/main">
   <p:cSld>
     <p:spTree>
@@ -17807,7 +18297,7 @@
             <a:pPr lvl="1"/>
             <a:r>
               <a:rPr lang="nl-NL"/>
-              <a:t>Bijv. SVC: kernel, degree, C, gamma…</a:t>
+              <a:t>Bijv. SVC: kernel, degree, C, gamma… (volgende week meer hierover)</a:t>
             </a:r>
           </a:p>
           <a:p>
@@ -17837,7 +18327,7 @@
 </p:sld>
 </file>
 
-<file path=ppt/slides/slide34.xml><?xml version="1.0" encoding="utf-8"?>
+<file path=ppt/slides/slide35.xml><?xml version="1.0" encoding="utf-8"?>
 <p:sld xmlns:a="http://schemas.openxmlformats.org/drawingml/2006/main" xmlns:r="http://schemas.openxmlformats.org/officeDocument/2006/relationships" xmlns:p="http://schemas.openxmlformats.org/presentationml/2006/main">
   <p:cSld>
     <p:spTree>
@@ -17934,7 +18424,7 @@
 </p:sld>
 </file>
 
-<file path=ppt/slides/slide35.xml><?xml version="1.0" encoding="utf-8"?>
+<file path=ppt/slides/slide36.xml><?xml version="1.0" encoding="utf-8"?>
 <p:sld xmlns:a="http://schemas.openxmlformats.org/drawingml/2006/main" xmlns:r="http://schemas.openxmlformats.org/officeDocument/2006/relationships" xmlns:p="http://schemas.openxmlformats.org/presentationml/2006/main">
   <p:cSld>
     <p:spTree>
@@ -18080,7 +18570,7 @@
 </p:sld>
 </file>
 
-<file path=ppt/slides/slide36.xml><?xml version="1.0" encoding="utf-8"?>
+<file path=ppt/slides/slide37.xml><?xml version="1.0" encoding="utf-8"?>
 <p:sld xmlns:a="http://schemas.openxmlformats.org/drawingml/2006/main" xmlns:r="http://schemas.openxmlformats.org/officeDocument/2006/relationships" xmlns:p="http://schemas.openxmlformats.org/presentationml/2006/main">
   <p:cSld>
     <p:spTree>
@@ -18218,7 +18708,7 @@
 </p:sld>
 </file>
 
-<file path=ppt/slides/slide37.xml><?xml version="1.0" encoding="utf-8"?>
+<file path=ppt/slides/slide38.xml><?xml version="1.0" encoding="utf-8"?>
 <p:sld xmlns:a="http://schemas.openxmlformats.org/drawingml/2006/main" xmlns:r="http://schemas.openxmlformats.org/officeDocument/2006/relationships" xmlns:p="http://schemas.openxmlformats.org/presentationml/2006/main">
   <p:cSld>
     <p:spTree>
@@ -18354,7 +18844,7 @@
 </p:sld>
 </file>
 
-<file path=ppt/slides/slide38.xml><?xml version="1.0" encoding="utf-8"?>
+<file path=ppt/slides/slide39.xml><?xml version="1.0" encoding="utf-8"?>
 <p:sld xmlns:a="http://schemas.openxmlformats.org/drawingml/2006/main" xmlns:r="http://schemas.openxmlformats.org/officeDocument/2006/relationships" xmlns:p="http://schemas.openxmlformats.org/presentationml/2006/main">
   <p:cSld>
     <p:spTree>
@@ -18673,7 +19163,60 @@
 </p:sld>
 </file>
 
-<file path=ppt/slides/slide39.xml><?xml version="1.0" encoding="utf-8"?>
+<file path=ppt/slides/slide4.xml><?xml version="1.0" encoding="utf-8"?>
+<p:sld xmlns:a="http://schemas.openxmlformats.org/drawingml/2006/main" xmlns:r="http://schemas.openxmlformats.org/officeDocument/2006/relationships" xmlns:p="http://schemas.openxmlformats.org/presentationml/2006/main">
+  <p:cSld>
+    <p:spTree>
+      <p:nvGrpSpPr>
+        <p:cNvPr id="1" name=""/>
+        <p:cNvGrpSpPr/>
+        <p:nvPr/>
+      </p:nvGrpSpPr>
+      <p:grpSpPr>
+        <a:xfrm>
+          <a:off x="0" y="0"/>
+          <a:ext cx="0" cy="0"/>
+          <a:chOff x="0" y="0"/>
+          <a:chExt cx="0" cy="0"/>
+        </a:xfrm>
+      </p:grpSpPr>
+      <p:pic>
+        <p:nvPicPr>
+          <p:cNvPr id="124" name="pasted-image.png" descr="pasted-image.png"/>
+          <p:cNvPicPr>
+            <a:picLocks noChangeAspect="1"/>
+          </p:cNvPicPr>
+          <p:nvPr/>
+        </p:nvPicPr>
+        <p:blipFill>
+          <a:blip r:embed="rId2"/>
+          <a:stretch>
+            <a:fillRect/>
+          </a:stretch>
+        </p:blipFill>
+        <p:spPr>
+          <a:xfrm>
+            <a:off x="1295536" y="308815"/>
+            <a:ext cx="10413728" cy="9135970"/>
+          </a:xfrm>
+          <a:prstGeom prst="rect">
+            <a:avLst/>
+          </a:prstGeom>
+          <a:ln w="12700">
+            <a:miter lim="400000"/>
+          </a:ln>
+        </p:spPr>
+      </p:pic>
+    </p:spTree>
+  </p:cSld>
+  <p:clrMapOvr>
+    <a:masterClrMapping/>
+  </p:clrMapOvr>
+  <p:transition spd="med"/>
+</p:sld>
+</file>
+
+<file path=ppt/slides/slide40.xml><?xml version="1.0" encoding="utf-8"?>
 <p:sld xmlns:a="http://schemas.openxmlformats.org/drawingml/2006/main" xmlns:r="http://schemas.openxmlformats.org/officeDocument/2006/relationships" xmlns:p="http://schemas.openxmlformats.org/presentationml/2006/main">
   <p:cSld>
     <p:spTree>
@@ -18821,60 +19364,7 @@
 </p:sld>
 </file>
 
-<file path=ppt/slides/slide4.xml><?xml version="1.0" encoding="utf-8"?>
-<p:sld xmlns:a="http://schemas.openxmlformats.org/drawingml/2006/main" xmlns:r="http://schemas.openxmlformats.org/officeDocument/2006/relationships" xmlns:p="http://schemas.openxmlformats.org/presentationml/2006/main">
-  <p:cSld>
-    <p:spTree>
-      <p:nvGrpSpPr>
-        <p:cNvPr id="1" name=""/>
-        <p:cNvGrpSpPr/>
-        <p:nvPr/>
-      </p:nvGrpSpPr>
-      <p:grpSpPr>
-        <a:xfrm>
-          <a:off x="0" y="0"/>
-          <a:ext cx="0" cy="0"/>
-          <a:chOff x="0" y="0"/>
-          <a:chExt cx="0" cy="0"/>
-        </a:xfrm>
-      </p:grpSpPr>
-      <p:pic>
-        <p:nvPicPr>
-          <p:cNvPr id="126" name="pasted-image.png" descr="pasted-image.png"/>
-          <p:cNvPicPr>
-            <a:picLocks noChangeAspect="1"/>
-          </p:cNvPicPr>
-          <p:nvPr/>
-        </p:nvPicPr>
-        <p:blipFill>
-          <a:blip r:embed="rId2"/>
-          <a:stretch>
-            <a:fillRect/>
-          </a:stretch>
-        </p:blipFill>
-        <p:spPr>
-          <a:xfrm>
-            <a:off x="453175" y="79521"/>
-            <a:ext cx="12098450" cy="9594558"/>
-          </a:xfrm>
-          <a:prstGeom prst="rect">
-            <a:avLst/>
-          </a:prstGeom>
-          <a:ln w="12700">
-            <a:miter lim="400000"/>
-          </a:ln>
-        </p:spPr>
-      </p:pic>
-    </p:spTree>
-  </p:cSld>
-  <p:clrMapOvr>
-    <a:masterClrMapping/>
-  </p:clrMapOvr>
-  <p:transition spd="med"/>
-</p:sld>
-</file>
-
-<file path=ppt/slides/slide40.xml><?xml version="1.0" encoding="utf-8"?>
+<file path=ppt/slides/slide41.xml><?xml version="1.0" encoding="utf-8"?>
 <p:sld xmlns:a="http://schemas.openxmlformats.org/drawingml/2006/main" xmlns:r="http://schemas.openxmlformats.org/officeDocument/2006/relationships" xmlns:p="http://schemas.openxmlformats.org/presentationml/2006/main">
   <p:cSld>
     <p:spTree>
@@ -19196,7 +19686,7 @@
 </p:sld>
 </file>
 
-<file path=ppt/slides/slide41.xml><?xml version="1.0" encoding="utf-8"?>
+<file path=ppt/slides/slide42.xml><?xml version="1.0" encoding="utf-8"?>
 <p:sld xmlns:a="http://schemas.openxmlformats.org/drawingml/2006/main" xmlns:r="http://schemas.openxmlformats.org/officeDocument/2006/relationships" xmlns:p="http://schemas.openxmlformats.org/presentationml/2006/main">
   <p:cSld>
     <p:spTree>
@@ -19345,7 +19835,7 @@
 </p:sld>
 </file>
 
-<file path=ppt/slides/slide42.xml><?xml version="1.0" encoding="utf-8"?>
+<file path=ppt/slides/slide43.xml><?xml version="1.0" encoding="utf-8"?>
 <p:sld xmlns:a="http://schemas.openxmlformats.org/drawingml/2006/main" xmlns:r="http://schemas.openxmlformats.org/officeDocument/2006/relationships" xmlns:p="http://schemas.openxmlformats.org/presentationml/2006/main">
   <p:cSld>
     <p:spTree>
@@ -19463,7 +19953,7 @@
 </p:sld>
 </file>
 
-<file path=ppt/slides/slide43.xml><?xml version="1.0" encoding="utf-8"?>
+<file path=ppt/slides/slide44.xml><?xml version="1.0" encoding="utf-8"?>
 <p:sld xmlns:a="http://schemas.openxmlformats.org/drawingml/2006/main" xmlns:r="http://schemas.openxmlformats.org/officeDocument/2006/relationships" xmlns:p="http://schemas.openxmlformats.org/presentationml/2006/main">
   <p:cSld>
     <p:spTree>
@@ -19620,6 +20110,59 @@
       </p:grpSpPr>
       <p:pic>
         <p:nvPicPr>
+          <p:cNvPr id="126" name="pasted-image.png" descr="pasted-image.png"/>
+          <p:cNvPicPr>
+            <a:picLocks noChangeAspect="1"/>
+          </p:cNvPicPr>
+          <p:nvPr/>
+        </p:nvPicPr>
+        <p:blipFill>
+          <a:blip r:embed="rId2"/>
+          <a:stretch>
+            <a:fillRect/>
+          </a:stretch>
+        </p:blipFill>
+        <p:spPr>
+          <a:xfrm>
+            <a:off x="453175" y="79521"/>
+            <a:ext cx="12098450" cy="9594558"/>
+          </a:xfrm>
+          <a:prstGeom prst="rect">
+            <a:avLst/>
+          </a:prstGeom>
+          <a:ln w="12700">
+            <a:miter lim="400000"/>
+          </a:ln>
+        </p:spPr>
+      </p:pic>
+    </p:spTree>
+  </p:cSld>
+  <p:clrMapOvr>
+    <a:masterClrMapping/>
+  </p:clrMapOvr>
+  <p:transition spd="med"/>
+</p:sld>
+</file>
+
+<file path=ppt/slides/slide6.xml><?xml version="1.0" encoding="utf-8"?>
+<p:sld xmlns:a="http://schemas.openxmlformats.org/drawingml/2006/main" xmlns:r="http://schemas.openxmlformats.org/officeDocument/2006/relationships" xmlns:p="http://schemas.openxmlformats.org/presentationml/2006/main">
+  <p:cSld>
+    <p:spTree>
+      <p:nvGrpSpPr>
+        <p:cNvPr id="1" name=""/>
+        <p:cNvGrpSpPr/>
+        <p:nvPr/>
+      </p:nvGrpSpPr>
+      <p:grpSpPr>
+        <a:xfrm>
+          <a:off x="0" y="0"/>
+          <a:ext cx="0" cy="0"/>
+          <a:chOff x="0" y="0"/>
+          <a:chExt cx="0" cy="0"/>
+        </a:xfrm>
+      </p:grpSpPr>
+      <p:pic>
+        <p:nvPicPr>
           <p:cNvPr id="130" name="pasted-image.png" descr="pasted-image.png"/>
           <p:cNvPicPr>
             <a:picLocks noChangeAspect="1"/>
@@ -19654,7 +20197,7 @@
 </p:sld>
 </file>
 
-<file path=ppt/slides/slide6.xml><?xml version="1.0" encoding="utf-8"?>
+<file path=ppt/slides/slide7.xml><?xml version="1.0" encoding="utf-8"?>
 <p:sld xmlns:a="http://schemas.openxmlformats.org/drawingml/2006/main" xmlns:r="http://schemas.openxmlformats.org/officeDocument/2006/relationships" xmlns:p="http://schemas.openxmlformats.org/presentationml/2006/main">
   <p:cSld>
     <p:spTree>
@@ -19707,7 +20250,7 @@
 </p:sld>
 </file>
 
-<file path=ppt/slides/slide7.xml><?xml version="1.0" encoding="utf-8"?>
+<file path=ppt/slides/slide8.xml><?xml version="1.0" encoding="utf-8"?>
 <p:sld xmlns:a="http://schemas.openxmlformats.org/drawingml/2006/main" xmlns:r="http://schemas.openxmlformats.org/officeDocument/2006/relationships" xmlns:p="http://schemas.openxmlformats.org/presentationml/2006/main">
   <p:cSld>
     <p:spTree>
@@ -19777,7 +20320,7 @@
 </p:sld>
 </file>
 
-<file path=ppt/slides/slide8.xml><?xml version="1.0" encoding="utf-8"?>
+<file path=ppt/slides/slide9.xml><?xml version="1.0" encoding="utf-8"?>
 <p:sld xmlns:a="http://schemas.openxmlformats.org/drawingml/2006/main" xmlns:r="http://schemas.openxmlformats.org/officeDocument/2006/relationships" xmlns:p="http://schemas.openxmlformats.org/presentationml/2006/main">
   <p:cSld>
     <p:spTree>
@@ -19812,59 +20355,6 @@
           <a:xfrm>
             <a:off x="17641" y="358121"/>
             <a:ext cx="12969518" cy="9037358"/>
-          </a:xfrm>
-          <a:prstGeom prst="rect">
-            <a:avLst/>
-          </a:prstGeom>
-          <a:ln w="12700">
-            <a:miter lim="400000"/>
-          </a:ln>
-        </p:spPr>
-      </p:pic>
-    </p:spTree>
-  </p:cSld>
-  <p:clrMapOvr>
-    <a:masterClrMapping/>
-  </p:clrMapOvr>
-  <p:transition spd="med"/>
-</p:sld>
-</file>
-
-<file path=ppt/slides/slide9.xml><?xml version="1.0" encoding="utf-8"?>
-<p:sld xmlns:a="http://schemas.openxmlformats.org/drawingml/2006/main" xmlns:r="http://schemas.openxmlformats.org/officeDocument/2006/relationships" xmlns:p="http://schemas.openxmlformats.org/presentationml/2006/main">
-  <p:cSld>
-    <p:spTree>
-      <p:nvGrpSpPr>
-        <p:cNvPr id="1" name=""/>
-        <p:cNvGrpSpPr/>
-        <p:nvPr/>
-      </p:nvGrpSpPr>
-      <p:grpSpPr>
-        <a:xfrm>
-          <a:off x="0" y="0"/>
-          <a:ext cx="0" cy="0"/>
-          <a:chOff x="0" y="0"/>
-          <a:chExt cx="0" cy="0"/>
-        </a:xfrm>
-      </p:grpSpPr>
-      <p:pic>
-        <p:nvPicPr>
-          <p:cNvPr id="138" name="pasted-image.png" descr="pasted-image.png"/>
-          <p:cNvPicPr>
-            <a:picLocks/>
-          </p:cNvPicPr>
-          <p:nvPr/>
-        </p:nvPicPr>
-        <p:blipFill>
-          <a:blip r:embed="rId2"/>
-          <a:stretch>
-            <a:fillRect/>
-          </a:stretch>
-        </p:blipFill>
-        <p:spPr>
-          <a:xfrm>
-            <a:off x="19049" y="355600"/>
-            <a:ext cx="12966701" cy="9042400"/>
           </a:xfrm>
           <a:prstGeom prst="rect">
             <a:avLst/>
